--- a/Projekt.pptx
+++ b/Projekt.pptx
@@ -109,6 +109,11 @@
       </a:defRPr>
     </a:lvl9pPr>
   </p:defaultTextStyle>
+  <p:extLst>
+    <p:ext uri="{EFAFB233-063F-42B5-8137-9DF3F51BA10A}">
+      <p15:sldGuideLst xmlns:p15="http://schemas.microsoft.com/office/powerpoint/2012/main"/>
+    </p:ext>
+  </p:extLst>
 </p:presentation>
 </file>
 
@@ -280,7 +285,7 @@
           <a:p>
             <a:fld id="{317F292F-06F0-410F-8036-6E8B9B0B08EB}" type="datetimeFigureOut">
               <a:rPr lang="hu-HU" smtClean="0"/>
-              <a:t>2023.01.17.</a:t>
+              <a:t>2023.01.18.</a:t>
             </a:fld>
             <a:endParaRPr lang="hu-HU"/>
           </a:p>
@@ -508,7 +513,7 @@
           <a:p>
             <a:fld id="{317F292F-06F0-410F-8036-6E8B9B0B08EB}" type="datetimeFigureOut">
               <a:rPr lang="hu-HU" smtClean="0"/>
-              <a:t>2023.01.17.</a:t>
+              <a:t>2023.01.18.</a:t>
             </a:fld>
             <a:endParaRPr lang="hu-HU"/>
           </a:p>
@@ -688,7 +693,7 @@
           <a:p>
             <a:fld id="{317F292F-06F0-410F-8036-6E8B9B0B08EB}" type="datetimeFigureOut">
               <a:rPr lang="hu-HU" smtClean="0"/>
-              <a:t>2023.01.17.</a:t>
+              <a:t>2023.01.18.</a:t>
             </a:fld>
             <a:endParaRPr lang="hu-HU"/>
           </a:p>
@@ -858,7 +863,7 @@
           <a:p>
             <a:fld id="{317F292F-06F0-410F-8036-6E8B9B0B08EB}" type="datetimeFigureOut">
               <a:rPr lang="hu-HU" smtClean="0"/>
-              <a:t>2023.01.17.</a:t>
+              <a:t>2023.01.18.</a:t>
             </a:fld>
             <a:endParaRPr lang="hu-HU"/>
           </a:p>
@@ -1112,7 +1117,7 @@
           <a:p>
             <a:fld id="{317F292F-06F0-410F-8036-6E8B9B0B08EB}" type="datetimeFigureOut">
               <a:rPr lang="hu-HU" smtClean="0"/>
-              <a:t>2023.01.17.</a:t>
+              <a:t>2023.01.18.</a:t>
             </a:fld>
             <a:endParaRPr lang="hu-HU"/>
           </a:p>
@@ -1438,7 +1443,7 @@
           <a:p>
             <a:fld id="{317F292F-06F0-410F-8036-6E8B9B0B08EB}" type="datetimeFigureOut">
               <a:rPr lang="hu-HU" smtClean="0"/>
-              <a:t>2023.01.17.</a:t>
+              <a:t>2023.01.18.</a:t>
             </a:fld>
             <a:endParaRPr lang="hu-HU"/>
           </a:p>
@@ -1889,7 +1894,7 @@
           <a:p>
             <a:fld id="{317F292F-06F0-410F-8036-6E8B9B0B08EB}" type="datetimeFigureOut">
               <a:rPr lang="hu-HU" smtClean="0"/>
-              <a:t>2023.01.17.</a:t>
+              <a:t>2023.01.18.</a:t>
             </a:fld>
             <a:endParaRPr lang="hu-HU"/>
           </a:p>
@@ -2007,7 +2012,7 @@
           <a:p>
             <a:fld id="{317F292F-06F0-410F-8036-6E8B9B0B08EB}" type="datetimeFigureOut">
               <a:rPr lang="hu-HU" smtClean="0"/>
-              <a:t>2023.01.17.</a:t>
+              <a:t>2023.01.18.</a:t>
             </a:fld>
             <a:endParaRPr lang="hu-HU"/>
           </a:p>
@@ -2102,7 +2107,7 @@
           <a:p>
             <a:fld id="{317F292F-06F0-410F-8036-6E8B9B0B08EB}" type="datetimeFigureOut">
               <a:rPr lang="hu-HU" smtClean="0"/>
-              <a:t>2023.01.17.</a:t>
+              <a:t>2023.01.18.</a:t>
             </a:fld>
             <a:endParaRPr lang="hu-HU"/>
           </a:p>
@@ -2389,7 +2394,7 @@
           <a:p>
             <a:fld id="{317F292F-06F0-410F-8036-6E8B9B0B08EB}" type="datetimeFigureOut">
               <a:rPr lang="hu-HU" smtClean="0"/>
-              <a:t>2023.01.17.</a:t>
+              <a:t>2023.01.18.</a:t>
             </a:fld>
             <a:endParaRPr lang="hu-HU"/>
           </a:p>
@@ -2711,7 +2716,7 @@
           <a:p>
             <a:fld id="{317F292F-06F0-410F-8036-6E8B9B0B08EB}" type="datetimeFigureOut">
               <a:rPr lang="hu-HU" smtClean="0"/>
-              <a:t>2023.01.17.</a:t>
+              <a:t>2023.01.18.</a:t>
             </a:fld>
             <a:endParaRPr lang="hu-HU"/>
           </a:p>
@@ -2965,7 +2970,7 @@
           <a:p>
             <a:fld id="{317F292F-06F0-410F-8036-6E8B9B0B08EB}" type="datetimeFigureOut">
               <a:rPr lang="hu-HU" smtClean="0"/>
-              <a:t>2023.01.17.</a:t>
+              <a:t>2023.01.18.</a:t>
             </a:fld>
             <a:endParaRPr lang="hu-HU"/>
           </a:p>
@@ -3455,34 +3460,6 @@
       </p:grpSpPr>
       <p:sp>
         <p:nvSpPr>
-          <p:cNvPr id="2" name="Cím 1">
-            <a:extLst>
-              <a:ext uri="{FF2B5EF4-FFF2-40B4-BE49-F238E27FC236}">
-                <a16:creationId xmlns:a16="http://schemas.microsoft.com/office/drawing/2014/main" id="{44FD35EE-9A02-45DB-9A62-BEEEE860146D}"/>
-              </a:ext>
-            </a:extLst>
-          </p:cNvPr>
-          <p:cNvSpPr>
-            <a:spLocks noGrp="1"/>
-          </p:cNvSpPr>
-          <p:nvPr>
-            <p:ph type="ctrTitle"/>
-          </p:nvPr>
-        </p:nvSpPr>
-        <p:spPr/>
-        <p:txBody>
-          <a:bodyPr/>
-          <a:lstStyle/>
-          <a:p>
-            <a:r>
-              <a:rPr lang="hu-HU" dirty="0"/>
-              <a:t>Projekt</a:t>
-            </a:r>
-          </a:p>
-        </p:txBody>
-      </p:sp>
-      <p:sp>
-        <p:nvSpPr>
           <p:cNvPr id="3" name="Alcím 2">
             <a:extLst>
               <a:ext uri="{FF2B5EF4-FFF2-40B4-BE49-F238E27FC236}">
@@ -3512,27 +3489,75 @@
             </a:r>
             <a:r>
               <a:rPr lang="hu-HU" dirty="0"/>
-              <a:t> </a:t>
-            </a:r>
-            <a:r>
-              <a:rPr lang="hu-HU" dirty="0" err="1"/>
-              <a:t>Csanád,Oroszlán</a:t>
-            </a:r>
+              <a:t> Csanád , Oroszlán Mihály , Juhász Gábor</a:t>
+            </a:r>
+          </a:p>
+        </p:txBody>
+      </p:sp>
+      <p:sp>
+        <p:nvSpPr>
+          <p:cNvPr id="5" name="Cím 4">
+            <a:extLst>
+              <a:ext uri="{FF2B5EF4-FFF2-40B4-BE49-F238E27FC236}">
+                <a16:creationId xmlns:a16="http://schemas.microsoft.com/office/drawing/2014/main" id="{AC8162C2-7582-49AC-BE26-AB3223174C95}"/>
+              </a:ext>
+            </a:extLst>
+          </p:cNvPr>
+          <p:cNvSpPr>
+            <a:spLocks noGrp="1"/>
+          </p:cNvSpPr>
+          <p:nvPr>
+            <p:ph type="ctrTitle"/>
+          </p:nvPr>
+        </p:nvSpPr>
+        <p:spPr/>
+        <p:txBody>
+          <a:bodyPr/>
+          <a:lstStyle/>
+          <a:p>
             <a:r>
               <a:rPr lang="hu-HU" dirty="0"/>
-              <a:t> </a:t>
-            </a:r>
-            <a:r>
-              <a:rPr lang="hu-HU" dirty="0" err="1"/>
-              <a:t>Mihály,Juhász</a:t>
-            </a:r>
-            <a:r>
-              <a:rPr lang="hu-HU" dirty="0"/>
-              <a:t> Gábor</a:t>
-            </a:r>
-          </a:p>
-        </p:txBody>
-      </p:sp>
+              <a:t>Projekt</a:t>
+            </a:r>
+          </a:p>
+        </p:txBody>
+      </p:sp>
+      <p:pic>
+        <p:nvPicPr>
+          <p:cNvPr id="9" name="Kép 8">
+            <a:extLst>
+              <a:ext uri="{FF2B5EF4-FFF2-40B4-BE49-F238E27FC236}">
+                <a16:creationId xmlns:a16="http://schemas.microsoft.com/office/drawing/2014/main" id="{2C025443-4900-4E93-9737-A442662F14C8}"/>
+              </a:ext>
+            </a:extLst>
+          </p:cNvPr>
+          <p:cNvPicPr>
+            <a:picLocks noChangeAspect="1"/>
+          </p:cNvPicPr>
+          <p:nvPr/>
+        </p:nvPicPr>
+        <p:blipFill>
+          <a:blip r:embed="rId2">
+            <a:extLst>
+              <a:ext uri="{28A0092B-C50C-407E-A947-70E740481C1C}">
+                <a14:useLocalDpi xmlns:a14="http://schemas.microsoft.com/office/drawing/2010/main" val="0"/>
+              </a:ext>
+            </a:extLst>
+          </a:blip>
+          <a:stretch>
+            <a:fillRect/>
+          </a:stretch>
+        </p:blipFill>
+        <p:spPr>
+          <a:xfrm>
+            <a:off x="7975505" y="457342"/>
+            <a:ext cx="3591636" cy="2486517"/>
+          </a:xfrm>
+          <a:prstGeom prst="rect">
+            <a:avLst/>
+          </a:prstGeom>
+        </p:spPr>
+      </p:pic>
     </p:spTree>
     <p:extLst>
       <p:ext uri="{BB962C8B-B14F-4D97-AF65-F5344CB8AC3E}">
@@ -3579,7 +3604,12 @@
             <p:ph type="title"/>
           </p:nvPr>
         </p:nvSpPr>
-        <p:spPr/>
+        <p:spPr>
+          <a:xfrm>
+            <a:off x="0" y="-647699"/>
+            <a:ext cx="9692640" cy="1325562"/>
+          </a:xfrm>
+        </p:spPr>
         <p:txBody>
           <a:bodyPr/>
           <a:lstStyle/>
@@ -3667,7 +3697,7 @@
                 <a:latin typeface="Times New Roman" panose="02020603050405020304" pitchFamily="18" charset="0"/>
                 <a:cs typeface="Times New Roman" panose="02020603050405020304" pitchFamily="18" charset="0"/>
               </a:rPr>
-              <a:t>	</a:t>
+              <a:t>	(vázlat elkészítése)</a:t>
             </a:r>
           </a:p>
           <a:p>
@@ -3744,7 +3774,12 @@
             <p:ph type="title"/>
           </p:nvPr>
         </p:nvSpPr>
-        <p:spPr/>
+        <p:spPr>
+          <a:xfrm>
+            <a:off x="0" y="-914397"/>
+            <a:ext cx="3200400" cy="1600197"/>
+          </a:xfrm>
+        </p:spPr>
         <p:txBody>
           <a:bodyPr>
             <a:normAutofit/>
@@ -3752,7 +3787,7 @@
           <a:lstStyle/>
           <a:p>
             <a:r>
-              <a:rPr lang="hu-HU" sz="6400" dirty="0">
+              <a:rPr lang="hu-HU" sz="4400" dirty="0">
                 <a:latin typeface="Times New Roman" panose="02020603050405020304" pitchFamily="18" charset="0"/>
                 <a:cs typeface="Times New Roman" panose="02020603050405020304" pitchFamily="18" charset="0"/>
               </a:rPr>
@@ -3777,37 +3812,34 @@
             <p:ph idx="1"/>
           </p:nvPr>
         </p:nvSpPr>
-        <p:spPr/>
-        <p:txBody>
-          <a:bodyPr/>
-          <a:lstStyle/>
-          <a:p>
-            <a:endParaRPr lang="hu-HU"/>
-          </a:p>
-        </p:txBody>
-      </p:sp>
-      <p:sp>
-        <p:nvSpPr>
-          <p:cNvPr id="4" name="Szöveg helye 3">
-            <a:extLst>
-              <a:ext uri="{FF2B5EF4-FFF2-40B4-BE49-F238E27FC236}">
-                <a16:creationId xmlns:a16="http://schemas.microsoft.com/office/drawing/2014/main" id="{7AE6FF21-576A-4125-ABCE-472382FB5F77}"/>
-              </a:ext>
-            </a:extLst>
-          </p:cNvPr>
-          <p:cNvSpPr>
-            <a:spLocks noGrp="1"/>
-          </p:cNvSpPr>
-          <p:nvPr>
-            <p:ph type="body" sz="half" idx="2"/>
-          </p:nvPr>
-        </p:nvSpPr>
-        <p:spPr/>
-        <p:txBody>
-          <a:bodyPr/>
-          <a:lstStyle/>
-          <a:p>
-            <a:endParaRPr lang="hu-HU" dirty="0"/>
+        <p:spPr>
+          <a:xfrm>
+            <a:off x="160867" y="952500"/>
+            <a:ext cx="6079066" cy="5486400"/>
+          </a:xfrm>
+        </p:spPr>
+        <p:txBody>
+          <a:bodyPr>
+            <a:normAutofit/>
+          </a:bodyPr>
+          <a:lstStyle/>
+          <a:p>
+            <a:r>
+              <a:rPr lang="hu-HU" sz="3200" dirty="0">
+                <a:latin typeface="Times New Roman" panose="02020603050405020304" pitchFamily="18" charset="0"/>
+                <a:cs typeface="Times New Roman" panose="02020603050405020304" pitchFamily="18" charset="0"/>
+              </a:rPr>
+              <a:t>1) 160.160.0.0/22</a:t>
+            </a:r>
+          </a:p>
+          <a:p>
+            <a:r>
+              <a:rPr lang="hu-HU" sz="3200" dirty="0">
+                <a:latin typeface="Times New Roman" panose="02020603050405020304" pitchFamily="18" charset="0"/>
+                <a:cs typeface="Times New Roman" panose="02020603050405020304" pitchFamily="18" charset="0"/>
+              </a:rPr>
+              <a:t>2) 199.40.0.0/27</a:t>
+            </a:r>
           </a:p>
         </p:txBody>
       </p:sp>
@@ -3859,18 +3891,18 @@
         </p:nvSpPr>
         <p:spPr>
           <a:xfrm>
-            <a:off x="331788" y="263525"/>
+            <a:off x="0" y="-75409"/>
             <a:ext cx="8990012" cy="723900"/>
           </a:xfrm>
         </p:spPr>
         <p:txBody>
           <a:bodyPr>
-            <a:normAutofit fontScale="90000"/>
+            <a:normAutofit/>
           </a:bodyPr>
           <a:lstStyle/>
           <a:p>
             <a:r>
-              <a:rPr lang="hu-HU" sz="6400" dirty="0">
+              <a:rPr lang="hu-HU" sz="4400" dirty="0">
                 <a:latin typeface="Times New Roman" panose="02020603050405020304" pitchFamily="18" charset="0"/>
                 <a:cs typeface="Times New Roman" panose="02020603050405020304" pitchFamily="18" charset="0"/>
               </a:rPr>
@@ -4239,18 +4271,18 @@
         </p:nvSpPr>
         <p:spPr>
           <a:xfrm>
-            <a:off x="836612" y="695325"/>
-            <a:ext cx="4964112" cy="292100"/>
+            <a:off x="0" y="-165100"/>
+            <a:ext cx="4964112" cy="822325"/>
           </a:xfrm>
         </p:spPr>
         <p:txBody>
           <a:bodyPr>
-            <a:normAutofit fontScale="90000"/>
+            <a:noAutofit/>
           </a:bodyPr>
           <a:lstStyle/>
           <a:p>
             <a:r>
-              <a:rPr lang="hu-HU" sz="6400" dirty="0">
+              <a:rPr lang="hu-HU" sz="4400" dirty="0">
                 <a:latin typeface="Times New Roman" panose="02020603050405020304" pitchFamily="18" charset="0"/>
                 <a:cs typeface="Times New Roman" panose="02020603050405020304" pitchFamily="18" charset="0"/>
               </a:rPr>
@@ -4259,33 +4291,241 @@
           </a:p>
         </p:txBody>
       </p:sp>
-      <p:sp>
-        <p:nvSpPr>
-          <p:cNvPr id="3" name="Tartalom helye 2">
+      <p:pic>
+        <p:nvPicPr>
+          <p:cNvPr id="5" name="Tartalom helye 4">
             <a:extLst>
               <a:ext uri="{FF2B5EF4-FFF2-40B4-BE49-F238E27FC236}">
-                <a16:creationId xmlns:a16="http://schemas.microsoft.com/office/drawing/2014/main" id="{46A113C6-9A77-43FB-B255-CFADF19410BA}"/>
+                <a16:creationId xmlns:a16="http://schemas.microsoft.com/office/drawing/2014/main" id="{64766749-A76B-41D3-97EF-A97DD8116091}"/>
               </a:ext>
             </a:extLst>
           </p:cNvPr>
-          <p:cNvSpPr>
-            <a:spLocks noGrp="1"/>
-          </p:cNvSpPr>
+          <p:cNvPicPr>
+            <a:picLocks noGrp="1" noChangeAspect="1"/>
+          </p:cNvPicPr>
           <p:nvPr>
             <p:ph idx="1"/>
           </p:nvPr>
-        </p:nvSpPr>
+        </p:nvPicPr>
+        <p:blipFill rotWithShape="1">
+          <a:blip r:embed="rId2">
+            <a:extLst>
+              <a:ext uri="{28A0092B-C50C-407E-A947-70E740481C1C}">
+                <a14:useLocalDpi xmlns:a14="http://schemas.microsoft.com/office/drawing/2010/main" val="0"/>
+              </a:ext>
+            </a:extLst>
+          </a:blip>
+          <a:srcRect r="27156" b="32409"/>
+          <a:stretch/>
+        </p:blipFill>
         <p:spPr>
           <a:xfrm>
-            <a:off x="952500" y="1168400"/>
-            <a:ext cx="10402888" cy="4692650"/>
+            <a:off x="1654367" y="1069975"/>
+            <a:ext cx="7826303" cy="5000625"/>
           </a:xfrm>
         </p:spPr>
-        <p:txBody>
-          <a:bodyPr/>
-          <a:lstStyle/>
-          <a:p>
+      </p:pic>
+      <p:sp>
+        <p:nvSpPr>
+          <p:cNvPr id="6" name="Szövegdoboz 5">
+            <a:extLst>
+              <a:ext uri="{FF2B5EF4-FFF2-40B4-BE49-F238E27FC236}">
+                <a16:creationId xmlns:a16="http://schemas.microsoft.com/office/drawing/2014/main" id="{9CA96E01-F248-41FA-99F2-36F537924EA2}"/>
+              </a:ext>
+            </a:extLst>
+          </p:cNvPr>
+          <p:cNvSpPr txBox="1"/>
+          <p:nvPr/>
+        </p:nvSpPr>
+        <p:spPr>
+          <a:xfrm>
+            <a:off x="1999456" y="745609"/>
+            <a:ext cx="2482056" cy="369332"/>
+          </a:xfrm>
+          <a:prstGeom prst="rect">
+            <a:avLst/>
+          </a:prstGeom>
+          <a:noFill/>
+        </p:spPr>
+        <p:txBody>
+          <a:bodyPr wrap="square" rtlCol="0">
+            <a:spAutoFit/>
+          </a:bodyPr>
+          <a:lstStyle/>
+          <a:p>
+            <a:r>
+              <a:rPr lang="hu-HU" dirty="0"/>
+              <a:t>11 Gép - 1 </a:t>
+            </a:r>
+            <a:r>
+              <a:rPr lang="hu-HU" dirty="0" err="1"/>
+              <a:t>Switch</a:t>
+            </a:r>
             <a:endParaRPr lang="hu-HU" dirty="0"/>
+          </a:p>
+        </p:txBody>
+      </p:sp>
+      <p:sp>
+        <p:nvSpPr>
+          <p:cNvPr id="7" name="Szövegdoboz 6">
+            <a:extLst>
+              <a:ext uri="{FF2B5EF4-FFF2-40B4-BE49-F238E27FC236}">
+                <a16:creationId xmlns:a16="http://schemas.microsoft.com/office/drawing/2014/main" id="{C1943936-C86B-4C0F-B163-919880A1B666}"/>
+              </a:ext>
+            </a:extLst>
+          </p:cNvPr>
+          <p:cNvSpPr txBox="1"/>
+          <p:nvPr/>
+        </p:nvSpPr>
+        <p:spPr>
+          <a:xfrm>
+            <a:off x="7073900" y="946150"/>
+            <a:ext cx="2266967" cy="369332"/>
+          </a:xfrm>
+          <a:prstGeom prst="rect">
+            <a:avLst/>
+          </a:prstGeom>
+          <a:noFill/>
+        </p:spPr>
+        <p:txBody>
+          <a:bodyPr wrap="none" rtlCol="0">
+            <a:spAutoFit/>
+          </a:bodyPr>
+          <a:lstStyle/>
+          <a:p>
+            <a:r>
+              <a:rPr lang="hu-HU" dirty="0"/>
+              <a:t>5 Laptop – 1 Tablet</a:t>
+            </a:r>
+          </a:p>
+        </p:txBody>
+      </p:sp>
+      <p:sp>
+        <p:nvSpPr>
+          <p:cNvPr id="8" name="Szövegdoboz 7">
+            <a:extLst>
+              <a:ext uri="{FF2B5EF4-FFF2-40B4-BE49-F238E27FC236}">
+                <a16:creationId xmlns:a16="http://schemas.microsoft.com/office/drawing/2014/main" id="{1453CAA1-A233-4CFE-AF73-886921EAF35D}"/>
+              </a:ext>
+            </a:extLst>
+          </p:cNvPr>
+          <p:cNvSpPr txBox="1"/>
+          <p:nvPr/>
+        </p:nvSpPr>
+        <p:spPr>
+          <a:xfrm>
+            <a:off x="1028700" y="6025634"/>
+            <a:ext cx="3121367" cy="369332"/>
+          </a:xfrm>
+          <a:prstGeom prst="rect">
+            <a:avLst/>
+          </a:prstGeom>
+          <a:noFill/>
+        </p:spPr>
+        <p:txBody>
+          <a:bodyPr wrap="none" rtlCol="0">
+            <a:spAutoFit/>
+          </a:bodyPr>
+          <a:lstStyle/>
+          <a:p>
+            <a:r>
+              <a:rPr lang="hu-HU" dirty="0"/>
+              <a:t>1 </a:t>
+            </a:r>
+            <a:r>
+              <a:rPr lang="hu-HU" dirty="0" err="1"/>
+              <a:t>Switch</a:t>
+            </a:r>
+            <a:r>
+              <a:rPr lang="hu-HU" dirty="0"/>
+              <a:t> – 3 Gép – 1 Tablet</a:t>
+            </a:r>
+          </a:p>
+        </p:txBody>
+      </p:sp>
+      <p:sp>
+        <p:nvSpPr>
+          <p:cNvPr id="9" name="Szövegdoboz 8">
+            <a:extLst>
+              <a:ext uri="{FF2B5EF4-FFF2-40B4-BE49-F238E27FC236}">
+                <a16:creationId xmlns:a16="http://schemas.microsoft.com/office/drawing/2014/main" id="{7BB82D41-9522-4FCC-9F51-63C53D9BC9B1}"/>
+              </a:ext>
+            </a:extLst>
+          </p:cNvPr>
+          <p:cNvSpPr txBox="1"/>
+          <p:nvPr/>
+        </p:nvSpPr>
+        <p:spPr>
+          <a:xfrm>
+            <a:off x="4150067" y="5752584"/>
+            <a:ext cx="3249608" cy="369332"/>
+          </a:xfrm>
+          <a:prstGeom prst="rect">
+            <a:avLst/>
+          </a:prstGeom>
+          <a:noFill/>
+        </p:spPr>
+        <p:txBody>
+          <a:bodyPr wrap="none" rtlCol="0">
+            <a:spAutoFit/>
+          </a:bodyPr>
+          <a:lstStyle/>
+          <a:p>
+            <a:r>
+              <a:rPr lang="hu-HU" dirty="0"/>
+              <a:t>1 </a:t>
+            </a:r>
+            <a:r>
+              <a:rPr lang="hu-HU" dirty="0" err="1"/>
+              <a:t>Switch</a:t>
+            </a:r>
+            <a:r>
+              <a:rPr lang="hu-HU" dirty="0"/>
+              <a:t> – 2 Szerver – 1 Gép</a:t>
+            </a:r>
+          </a:p>
+        </p:txBody>
+      </p:sp>
+      <p:sp>
+        <p:nvSpPr>
+          <p:cNvPr id="10" name="Szövegdoboz 9">
+            <a:extLst>
+              <a:ext uri="{FF2B5EF4-FFF2-40B4-BE49-F238E27FC236}">
+                <a16:creationId xmlns:a16="http://schemas.microsoft.com/office/drawing/2014/main" id="{D30E3AA6-8682-4DA0-9583-DC1FD077EC78}"/>
+              </a:ext>
+            </a:extLst>
+          </p:cNvPr>
+          <p:cNvSpPr txBox="1"/>
+          <p:nvPr/>
+        </p:nvSpPr>
+        <p:spPr>
+          <a:xfrm>
+            <a:off x="6925012" y="5444093"/>
+            <a:ext cx="2397437" cy="369332"/>
+          </a:xfrm>
+          <a:prstGeom prst="rect">
+            <a:avLst/>
+          </a:prstGeom>
+          <a:noFill/>
+        </p:spPr>
+        <p:txBody>
+          <a:bodyPr wrap="square" rtlCol="0">
+            <a:spAutoFit/>
+          </a:bodyPr>
+          <a:lstStyle/>
+          <a:p>
+            <a:r>
+              <a:rPr lang="hu-HU" dirty="0"/>
+              <a:t>1 </a:t>
+            </a:r>
+            <a:r>
+              <a:rPr lang="hu-HU" dirty="0" err="1"/>
+              <a:t>Switch</a:t>
+            </a:r>
+            <a:r>
+              <a:rPr lang="hu-HU" dirty="0"/>
+              <a:t> – 5 Laptop</a:t>
+            </a:r>
           </a:p>
         </p:txBody>
       </p:sp>
@@ -4337,24 +4577,24 @@
         </p:nvSpPr>
         <p:spPr>
           <a:xfrm>
-            <a:off x="839788" y="457200"/>
-            <a:ext cx="6373812" cy="530225"/>
+            <a:off x="0" y="-215900"/>
+            <a:ext cx="6373812" cy="898525"/>
           </a:xfrm>
         </p:spPr>
         <p:txBody>
           <a:bodyPr>
-            <a:normAutofit fontScale="90000"/>
+            <a:noAutofit/>
           </a:bodyPr>
           <a:lstStyle/>
           <a:p>
             <a:r>
-              <a:rPr lang="hu-HU" sz="6400" dirty="0" err="1">
+              <a:rPr lang="hu-HU" sz="4400" dirty="0" err="1">
                 <a:latin typeface="Times New Roman" panose="02020603050405020304" pitchFamily="18" charset="0"/>
                 <a:cs typeface="Times New Roman" panose="02020603050405020304" pitchFamily="18" charset="0"/>
               </a:rPr>
               <a:t>Vlanok</a:t>
             </a:r>
-            <a:endParaRPr lang="hu-HU" sz="6400" dirty="0">
+            <a:endParaRPr lang="hu-HU" sz="4400" dirty="0">
               <a:latin typeface="Times New Roman" panose="02020603050405020304" pitchFamily="18" charset="0"/>
               <a:cs typeface="Times New Roman" panose="02020603050405020304" pitchFamily="18" charset="0"/>
             </a:endParaRPr>

--- a/Projekt.pptx
+++ b/Projekt.pptx
@@ -285,7 +285,7 @@
           <a:p>
             <a:fld id="{317F292F-06F0-410F-8036-6E8B9B0B08EB}" type="datetimeFigureOut">
               <a:rPr lang="hu-HU" smtClean="0"/>
-              <a:t>2023.01.18.</a:t>
+              <a:t>2023.01.20.</a:t>
             </a:fld>
             <a:endParaRPr lang="hu-HU"/>
           </a:p>
@@ -513,7 +513,7 @@
           <a:p>
             <a:fld id="{317F292F-06F0-410F-8036-6E8B9B0B08EB}" type="datetimeFigureOut">
               <a:rPr lang="hu-HU" smtClean="0"/>
-              <a:t>2023.01.18.</a:t>
+              <a:t>2023.01.20.</a:t>
             </a:fld>
             <a:endParaRPr lang="hu-HU"/>
           </a:p>
@@ -693,7 +693,7 @@
           <a:p>
             <a:fld id="{317F292F-06F0-410F-8036-6E8B9B0B08EB}" type="datetimeFigureOut">
               <a:rPr lang="hu-HU" smtClean="0"/>
-              <a:t>2023.01.18.</a:t>
+              <a:t>2023.01.20.</a:t>
             </a:fld>
             <a:endParaRPr lang="hu-HU"/>
           </a:p>
@@ -863,7 +863,7 @@
           <a:p>
             <a:fld id="{317F292F-06F0-410F-8036-6E8B9B0B08EB}" type="datetimeFigureOut">
               <a:rPr lang="hu-HU" smtClean="0"/>
-              <a:t>2023.01.18.</a:t>
+              <a:t>2023.01.20.</a:t>
             </a:fld>
             <a:endParaRPr lang="hu-HU"/>
           </a:p>
@@ -1117,7 +1117,7 @@
           <a:p>
             <a:fld id="{317F292F-06F0-410F-8036-6E8B9B0B08EB}" type="datetimeFigureOut">
               <a:rPr lang="hu-HU" smtClean="0"/>
-              <a:t>2023.01.18.</a:t>
+              <a:t>2023.01.20.</a:t>
             </a:fld>
             <a:endParaRPr lang="hu-HU"/>
           </a:p>
@@ -1443,7 +1443,7 @@
           <a:p>
             <a:fld id="{317F292F-06F0-410F-8036-6E8B9B0B08EB}" type="datetimeFigureOut">
               <a:rPr lang="hu-HU" smtClean="0"/>
-              <a:t>2023.01.18.</a:t>
+              <a:t>2023.01.20.</a:t>
             </a:fld>
             <a:endParaRPr lang="hu-HU"/>
           </a:p>
@@ -1894,7 +1894,7 @@
           <a:p>
             <a:fld id="{317F292F-06F0-410F-8036-6E8B9B0B08EB}" type="datetimeFigureOut">
               <a:rPr lang="hu-HU" smtClean="0"/>
-              <a:t>2023.01.18.</a:t>
+              <a:t>2023.01.20.</a:t>
             </a:fld>
             <a:endParaRPr lang="hu-HU"/>
           </a:p>
@@ -2012,7 +2012,7 @@
           <a:p>
             <a:fld id="{317F292F-06F0-410F-8036-6E8B9B0B08EB}" type="datetimeFigureOut">
               <a:rPr lang="hu-HU" smtClean="0"/>
-              <a:t>2023.01.18.</a:t>
+              <a:t>2023.01.20.</a:t>
             </a:fld>
             <a:endParaRPr lang="hu-HU"/>
           </a:p>
@@ -2107,7 +2107,7 @@
           <a:p>
             <a:fld id="{317F292F-06F0-410F-8036-6E8B9B0B08EB}" type="datetimeFigureOut">
               <a:rPr lang="hu-HU" smtClean="0"/>
-              <a:t>2023.01.18.</a:t>
+              <a:t>2023.01.20.</a:t>
             </a:fld>
             <a:endParaRPr lang="hu-HU"/>
           </a:p>
@@ -2394,7 +2394,7 @@
           <a:p>
             <a:fld id="{317F292F-06F0-410F-8036-6E8B9B0B08EB}" type="datetimeFigureOut">
               <a:rPr lang="hu-HU" smtClean="0"/>
-              <a:t>2023.01.18.</a:t>
+              <a:t>2023.01.20.</a:t>
             </a:fld>
             <a:endParaRPr lang="hu-HU"/>
           </a:p>
@@ -2716,7 +2716,7 @@
           <a:p>
             <a:fld id="{317F292F-06F0-410F-8036-6E8B9B0B08EB}" type="datetimeFigureOut">
               <a:rPr lang="hu-HU" smtClean="0"/>
-              <a:t>2023.01.18.</a:t>
+              <a:t>2023.01.20.</a:t>
             </a:fld>
             <a:endParaRPr lang="hu-HU"/>
           </a:p>
@@ -2970,7 +2970,7 @@
           <a:p>
             <a:fld id="{317F292F-06F0-410F-8036-6E8B9B0B08EB}" type="datetimeFigureOut">
               <a:rPr lang="hu-HU" smtClean="0"/>
-              <a:t>2023.01.18.</a:t>
+              <a:t>2023.01.20.</a:t>
             </a:fld>
             <a:endParaRPr lang="hu-HU"/>
           </a:p>
@@ -3701,6 +3701,23 @@
             </a:r>
           </a:p>
           <a:p>
+            <a:pPr lvl="1"/>
+            <a:r>
+              <a:rPr lang="hu-HU" sz="2800" dirty="0" err="1">
+                <a:latin typeface="Times New Roman" panose="02020603050405020304" pitchFamily="18" charset="0"/>
+                <a:cs typeface="Times New Roman" panose="02020603050405020304" pitchFamily="18" charset="0"/>
+              </a:rPr>
+              <a:t>Config</a:t>
+            </a:r>
+            <a:r>
+              <a:rPr lang="hu-HU" sz="2800" dirty="0">
+                <a:latin typeface="Times New Roman" panose="02020603050405020304" pitchFamily="18" charset="0"/>
+                <a:cs typeface="Times New Roman" panose="02020603050405020304" pitchFamily="18" charset="0"/>
+              </a:rPr>
+              <a:t> elkészítése.</a:t>
+            </a:r>
+          </a:p>
+          <a:p>
             <a:r>
               <a:rPr lang="hu-HU" sz="3200" dirty="0">
                 <a:latin typeface="Times New Roman" panose="02020603050405020304" pitchFamily="18" charset="0"/>
@@ -3716,7 +3733,7 @@
                 <a:latin typeface="Times New Roman" panose="02020603050405020304" pitchFamily="18" charset="0"/>
                 <a:cs typeface="Times New Roman" panose="02020603050405020304" pitchFamily="18" charset="0"/>
               </a:rPr>
-              <a:t>PPT elkészítése</a:t>
+              <a:t>PPT elkészítése, README.md konfigurálása</a:t>
             </a:r>
           </a:p>
           <a:p>

--- a/Projekt.pptx
+++ b/Projekt.pptx
@@ -285,7 +285,7 @@
           <a:p>
             <a:fld id="{317F292F-06F0-410F-8036-6E8B9B0B08EB}" type="datetimeFigureOut">
               <a:rPr lang="hu-HU" smtClean="0"/>
-              <a:t>2023.01.20.</a:t>
+              <a:t>2023.01.26.</a:t>
             </a:fld>
             <a:endParaRPr lang="hu-HU"/>
           </a:p>
@@ -513,7 +513,7 @@
           <a:p>
             <a:fld id="{317F292F-06F0-410F-8036-6E8B9B0B08EB}" type="datetimeFigureOut">
               <a:rPr lang="hu-HU" smtClean="0"/>
-              <a:t>2023.01.20.</a:t>
+              <a:t>2023.01.26.</a:t>
             </a:fld>
             <a:endParaRPr lang="hu-HU"/>
           </a:p>
@@ -693,7 +693,7 @@
           <a:p>
             <a:fld id="{317F292F-06F0-410F-8036-6E8B9B0B08EB}" type="datetimeFigureOut">
               <a:rPr lang="hu-HU" smtClean="0"/>
-              <a:t>2023.01.20.</a:t>
+              <a:t>2023.01.26.</a:t>
             </a:fld>
             <a:endParaRPr lang="hu-HU"/>
           </a:p>
@@ -863,7 +863,7 @@
           <a:p>
             <a:fld id="{317F292F-06F0-410F-8036-6E8B9B0B08EB}" type="datetimeFigureOut">
               <a:rPr lang="hu-HU" smtClean="0"/>
-              <a:t>2023.01.20.</a:t>
+              <a:t>2023.01.26.</a:t>
             </a:fld>
             <a:endParaRPr lang="hu-HU"/>
           </a:p>
@@ -1117,7 +1117,7 @@
           <a:p>
             <a:fld id="{317F292F-06F0-410F-8036-6E8B9B0B08EB}" type="datetimeFigureOut">
               <a:rPr lang="hu-HU" smtClean="0"/>
-              <a:t>2023.01.20.</a:t>
+              <a:t>2023.01.26.</a:t>
             </a:fld>
             <a:endParaRPr lang="hu-HU"/>
           </a:p>
@@ -1443,7 +1443,7 @@
           <a:p>
             <a:fld id="{317F292F-06F0-410F-8036-6E8B9B0B08EB}" type="datetimeFigureOut">
               <a:rPr lang="hu-HU" smtClean="0"/>
-              <a:t>2023.01.20.</a:t>
+              <a:t>2023.01.26.</a:t>
             </a:fld>
             <a:endParaRPr lang="hu-HU"/>
           </a:p>
@@ -1894,7 +1894,7 @@
           <a:p>
             <a:fld id="{317F292F-06F0-410F-8036-6E8B9B0B08EB}" type="datetimeFigureOut">
               <a:rPr lang="hu-HU" smtClean="0"/>
-              <a:t>2023.01.20.</a:t>
+              <a:t>2023.01.26.</a:t>
             </a:fld>
             <a:endParaRPr lang="hu-HU"/>
           </a:p>
@@ -2012,7 +2012,7 @@
           <a:p>
             <a:fld id="{317F292F-06F0-410F-8036-6E8B9B0B08EB}" type="datetimeFigureOut">
               <a:rPr lang="hu-HU" smtClean="0"/>
-              <a:t>2023.01.20.</a:t>
+              <a:t>2023.01.26.</a:t>
             </a:fld>
             <a:endParaRPr lang="hu-HU"/>
           </a:p>
@@ -2107,7 +2107,7 @@
           <a:p>
             <a:fld id="{317F292F-06F0-410F-8036-6E8B9B0B08EB}" type="datetimeFigureOut">
               <a:rPr lang="hu-HU" smtClean="0"/>
-              <a:t>2023.01.20.</a:t>
+              <a:t>2023.01.26.</a:t>
             </a:fld>
             <a:endParaRPr lang="hu-HU"/>
           </a:p>
@@ -2394,7 +2394,7 @@
           <a:p>
             <a:fld id="{317F292F-06F0-410F-8036-6E8B9B0B08EB}" type="datetimeFigureOut">
               <a:rPr lang="hu-HU" smtClean="0"/>
-              <a:t>2023.01.20.</a:t>
+              <a:t>2023.01.26.</a:t>
             </a:fld>
             <a:endParaRPr lang="hu-HU"/>
           </a:p>
@@ -2716,7 +2716,7 @@
           <a:p>
             <a:fld id="{317F292F-06F0-410F-8036-6E8B9B0B08EB}" type="datetimeFigureOut">
               <a:rPr lang="hu-HU" smtClean="0"/>
-              <a:t>2023.01.20.</a:t>
+              <a:t>2023.01.26.</a:t>
             </a:fld>
             <a:endParaRPr lang="hu-HU"/>
           </a:p>
@@ -2970,7 +2970,7 @@
           <a:p>
             <a:fld id="{317F292F-06F0-410F-8036-6E8B9B0B08EB}" type="datetimeFigureOut">
               <a:rPr lang="hu-HU" smtClean="0"/>
-              <a:t>2023.01.20.</a:t>
+              <a:t>2023.01.26.</a:t>
             </a:fld>
             <a:endParaRPr lang="hu-HU"/>
           </a:p>
@@ -3615,7 +3615,7 @@
           <a:lstStyle/>
           <a:p>
             <a:r>
-              <a:rPr lang="hu-HU" dirty="0"/>
+              <a:rPr lang="hu-HU" b="1" dirty="0"/>
               <a:t>Feladatok Elosztása</a:t>
             </a:r>
           </a:p>
@@ -3804,7 +3804,7 @@
           <a:lstStyle/>
           <a:p>
             <a:r>
-              <a:rPr lang="hu-HU" sz="4400" dirty="0">
+              <a:rPr lang="hu-HU" sz="4400" b="1" dirty="0">
                 <a:latin typeface="Times New Roman" panose="02020603050405020304" pitchFamily="18" charset="0"/>
                 <a:cs typeface="Times New Roman" panose="02020603050405020304" pitchFamily="18" charset="0"/>
               </a:rPr>
@@ -3831,8 +3831,8 @@
         </p:nvSpPr>
         <p:spPr>
           <a:xfrm>
-            <a:off x="160867" y="952500"/>
-            <a:ext cx="6079066" cy="5486400"/>
+            <a:off x="16933" y="838200"/>
+            <a:ext cx="5579533" cy="5486400"/>
           </a:xfrm>
         </p:spPr>
         <p:txBody>
@@ -3851,11 +3851,376 @@
           </a:p>
           <a:p>
             <a:r>
+              <a:rPr lang="hu-HU" sz="2800" dirty="0"/>
+              <a:t>160.160.0.0-160.160.3.255</a:t>
+            </a:r>
+          </a:p>
+          <a:p>
+            <a:r>
+              <a:rPr lang="hu-HU" sz="2800" dirty="0"/>
+              <a:t>160.160.4.0-160.160.7.255</a:t>
+            </a:r>
+          </a:p>
+          <a:p>
+            <a:r>
+              <a:rPr lang="hu-HU" sz="2800" dirty="0"/>
+              <a:t>160.160.8.0-160.160.11.255</a:t>
+            </a:r>
+          </a:p>
+          <a:p>
+            <a:r>
+              <a:rPr lang="hu-HU" sz="2800" dirty="0"/>
+              <a:t>160.160.12.0-160.160.15.255</a:t>
+            </a:r>
+          </a:p>
+          <a:p>
+            <a:r>
+              <a:rPr lang="hu-HU" sz="2800" dirty="0"/>
+              <a:t>^példák</a:t>
+            </a:r>
+          </a:p>
+          <a:p>
+            <a:r>
+              <a:rPr lang="hu-HU" sz="2800" dirty="0" err="1"/>
+              <a:t>Alh</a:t>
+            </a:r>
+            <a:r>
+              <a:rPr lang="hu-HU" sz="2800" dirty="0"/>
+              <a:t>. maszk 255.255.252.0 (/22)</a:t>
+            </a:r>
+          </a:p>
+          <a:p>
+            <a:endParaRPr lang="hu-HU" sz="2800" dirty="0"/>
+          </a:p>
+        </p:txBody>
+      </p:sp>
+      <p:sp>
+        <p:nvSpPr>
+          <p:cNvPr id="4" name="Tartalom helye 2">
+            <a:extLst>
+              <a:ext uri="{FF2B5EF4-FFF2-40B4-BE49-F238E27FC236}">
+                <a16:creationId xmlns:a16="http://schemas.microsoft.com/office/drawing/2014/main" id="{909C97DD-2E34-485B-99AB-8413B65455F4}"/>
+              </a:ext>
+            </a:extLst>
+          </p:cNvPr>
+          <p:cNvSpPr txBox="1">
+            <a:spLocks/>
+          </p:cNvSpPr>
+          <p:nvPr/>
+        </p:nvSpPr>
+        <p:spPr>
+          <a:xfrm>
+            <a:off x="5520266" y="838200"/>
+            <a:ext cx="6079066" cy="6426200"/>
+          </a:xfrm>
+          <a:prstGeom prst="rect">
+            <a:avLst/>
+          </a:prstGeom>
+        </p:spPr>
+        <p:txBody>
+          <a:bodyPr vert="horz" lIns="91440" tIns="45720" rIns="91440" bIns="45720" rtlCol="0">
+            <a:normAutofit/>
+          </a:bodyPr>
+          <a:lstStyle>
+            <a:lvl1pPr marL="182880" indent="-182880" algn="l" defTabSz="914400" rtl="0" eaLnBrk="1" latinLnBrk="0" hangingPunct="1">
+              <a:lnSpc>
+                <a:spcPct val="95000"/>
+              </a:lnSpc>
+              <a:spcBef>
+                <a:spcPts val="1400"/>
+              </a:spcBef>
+              <a:spcAft>
+                <a:spcPts val="200"/>
+              </a:spcAft>
+              <a:buClr>
+                <a:schemeClr val="accent1"/>
+              </a:buClr>
+              <a:buSzPct val="80000"/>
+              <a:buFont typeface="Arial" pitchFamily="34" charset="0"/>
+              <a:buChar char="•"/>
+              <a:defRPr sz="2000" kern="1200" spc="10" baseline="0">
+                <a:solidFill>
+                  <a:schemeClr val="tx1"/>
+                </a:solidFill>
+                <a:latin typeface="+mn-lt"/>
+                <a:ea typeface="+mn-ea"/>
+                <a:cs typeface="+mn-cs"/>
+              </a:defRPr>
+            </a:lvl1pPr>
+            <a:lvl2pPr marL="457200" indent="-182880" algn="l" defTabSz="914400" rtl="0" eaLnBrk="1" latinLnBrk="0" hangingPunct="1">
+              <a:lnSpc>
+                <a:spcPct val="90000"/>
+              </a:lnSpc>
+              <a:spcBef>
+                <a:spcPts val="300"/>
+              </a:spcBef>
+              <a:spcAft>
+                <a:spcPts val="300"/>
+              </a:spcAft>
+              <a:buClr>
+                <a:schemeClr val="accent1"/>
+              </a:buClr>
+              <a:buFont typeface="Wingdings 2" pitchFamily="18" charset="2"/>
+              <a:buChar char=""/>
+              <a:defRPr sz="1800" kern="1200">
+                <a:solidFill>
+                  <a:schemeClr val="tx1">
+                    <a:lumMod val="85000"/>
+                    <a:lumOff val="15000"/>
+                  </a:schemeClr>
+                </a:solidFill>
+                <a:latin typeface="+mn-lt"/>
+                <a:ea typeface="+mn-ea"/>
+                <a:cs typeface="+mn-cs"/>
+              </a:defRPr>
+            </a:lvl2pPr>
+            <a:lvl3pPr marL="731520" indent="-182880" algn="l" defTabSz="914400" rtl="0" eaLnBrk="1" latinLnBrk="0" hangingPunct="1">
+              <a:lnSpc>
+                <a:spcPct val="90000"/>
+              </a:lnSpc>
+              <a:spcBef>
+                <a:spcPts val="300"/>
+              </a:spcBef>
+              <a:spcAft>
+                <a:spcPts val="300"/>
+              </a:spcAft>
+              <a:buClr>
+                <a:schemeClr val="accent1"/>
+              </a:buClr>
+              <a:buFont typeface="Wingdings 2" pitchFamily="18" charset="2"/>
+              <a:buChar char=""/>
+              <a:defRPr sz="1600" kern="1200">
+                <a:solidFill>
+                  <a:schemeClr val="tx1">
+                    <a:lumMod val="85000"/>
+                    <a:lumOff val="15000"/>
+                  </a:schemeClr>
+                </a:solidFill>
+                <a:latin typeface="+mn-lt"/>
+                <a:ea typeface="+mn-ea"/>
+                <a:cs typeface="+mn-cs"/>
+              </a:defRPr>
+            </a:lvl3pPr>
+            <a:lvl4pPr marL="1005840" indent="-182880" algn="l" defTabSz="914400" rtl="0" eaLnBrk="1" latinLnBrk="0" hangingPunct="1">
+              <a:lnSpc>
+                <a:spcPct val="90000"/>
+              </a:lnSpc>
+              <a:spcBef>
+                <a:spcPts val="300"/>
+              </a:spcBef>
+              <a:spcAft>
+                <a:spcPts val="300"/>
+              </a:spcAft>
+              <a:buClr>
+                <a:schemeClr val="accent1"/>
+              </a:buClr>
+              <a:buFont typeface="Wingdings 2" pitchFamily="18" charset="2"/>
+              <a:buChar char=""/>
+              <a:defRPr sz="1400" kern="1200">
+                <a:solidFill>
+                  <a:schemeClr val="tx1">
+                    <a:lumMod val="85000"/>
+                    <a:lumOff val="15000"/>
+                  </a:schemeClr>
+                </a:solidFill>
+                <a:latin typeface="+mn-lt"/>
+                <a:ea typeface="+mn-ea"/>
+                <a:cs typeface="+mn-cs"/>
+              </a:defRPr>
+            </a:lvl4pPr>
+            <a:lvl5pPr marL="1280160" indent="-182880" algn="l" defTabSz="914400" rtl="0" eaLnBrk="1" latinLnBrk="0" hangingPunct="1">
+              <a:lnSpc>
+                <a:spcPct val="90000"/>
+              </a:lnSpc>
+              <a:spcBef>
+                <a:spcPts val="300"/>
+              </a:spcBef>
+              <a:spcAft>
+                <a:spcPts val="300"/>
+              </a:spcAft>
+              <a:buClr>
+                <a:schemeClr val="accent1"/>
+              </a:buClr>
+              <a:buFont typeface="Wingdings 2" pitchFamily="18" charset="2"/>
+              <a:buChar char=""/>
+              <a:defRPr sz="1400" kern="1200">
+                <a:solidFill>
+                  <a:schemeClr val="tx1">
+                    <a:lumMod val="85000"/>
+                    <a:lumOff val="15000"/>
+                  </a:schemeClr>
+                </a:solidFill>
+                <a:latin typeface="+mn-lt"/>
+                <a:ea typeface="+mn-ea"/>
+                <a:cs typeface="+mn-cs"/>
+              </a:defRPr>
+            </a:lvl5pPr>
+            <a:lvl6pPr marL="1600000" indent="-228600" algn="l" defTabSz="914400" rtl="0" eaLnBrk="1" latinLnBrk="0" hangingPunct="1">
+              <a:lnSpc>
+                <a:spcPct val="90000"/>
+              </a:lnSpc>
+              <a:spcBef>
+                <a:spcPts val="300"/>
+              </a:spcBef>
+              <a:spcAft>
+                <a:spcPts val="300"/>
+              </a:spcAft>
+              <a:buClr>
+                <a:schemeClr val="accent1"/>
+              </a:buClr>
+              <a:buFont typeface="Wingdings 2" pitchFamily="18" charset="2"/>
+              <a:buChar char=""/>
+              <a:defRPr sz="1400" kern="1200">
+                <a:solidFill>
+                  <a:schemeClr val="tx1">
+                    <a:lumMod val="85000"/>
+                    <a:lumOff val="15000"/>
+                  </a:schemeClr>
+                </a:solidFill>
+                <a:latin typeface="+mn-lt"/>
+                <a:ea typeface="+mn-ea"/>
+                <a:cs typeface="+mn-cs"/>
+              </a:defRPr>
+            </a:lvl6pPr>
+            <a:lvl7pPr marL="1900000" indent="-228600" algn="l" defTabSz="914400" rtl="0" eaLnBrk="1" latinLnBrk="0" hangingPunct="1">
+              <a:lnSpc>
+                <a:spcPct val="90000"/>
+              </a:lnSpc>
+              <a:spcBef>
+                <a:spcPts val="300"/>
+              </a:spcBef>
+              <a:spcAft>
+                <a:spcPts val="300"/>
+              </a:spcAft>
+              <a:buClr>
+                <a:schemeClr val="accent1"/>
+              </a:buClr>
+              <a:buFont typeface="Wingdings 2" pitchFamily="18" charset="2"/>
+              <a:buChar char=""/>
+              <a:defRPr sz="1400" kern="1200">
+                <a:solidFill>
+                  <a:schemeClr val="tx1">
+                    <a:lumMod val="85000"/>
+                    <a:lumOff val="15000"/>
+                  </a:schemeClr>
+                </a:solidFill>
+                <a:latin typeface="+mn-lt"/>
+                <a:ea typeface="+mn-ea"/>
+                <a:cs typeface="+mn-cs"/>
+              </a:defRPr>
+            </a:lvl7pPr>
+            <a:lvl8pPr marL="2200000" indent="-228600" algn="l" defTabSz="914400" rtl="0" eaLnBrk="1" latinLnBrk="0" hangingPunct="1">
+              <a:lnSpc>
+                <a:spcPct val="90000"/>
+              </a:lnSpc>
+              <a:spcBef>
+                <a:spcPts val="300"/>
+              </a:spcBef>
+              <a:spcAft>
+                <a:spcPts val="300"/>
+              </a:spcAft>
+              <a:buClr>
+                <a:schemeClr val="accent1"/>
+              </a:buClr>
+              <a:buFont typeface="Wingdings 2" pitchFamily="18" charset="2"/>
+              <a:buChar char=""/>
+              <a:defRPr sz="1400" kern="1200">
+                <a:solidFill>
+                  <a:schemeClr val="tx1">
+                    <a:lumMod val="85000"/>
+                    <a:lumOff val="15000"/>
+                  </a:schemeClr>
+                </a:solidFill>
+                <a:latin typeface="+mn-lt"/>
+                <a:ea typeface="+mn-ea"/>
+                <a:cs typeface="+mn-cs"/>
+              </a:defRPr>
+            </a:lvl8pPr>
+            <a:lvl9pPr marL="2500000" indent="-228600" algn="l" defTabSz="914400" rtl="0" eaLnBrk="1" latinLnBrk="0" hangingPunct="1">
+              <a:lnSpc>
+                <a:spcPct val="90000"/>
+              </a:lnSpc>
+              <a:spcBef>
+                <a:spcPts val="300"/>
+              </a:spcBef>
+              <a:spcAft>
+                <a:spcPts val="300"/>
+              </a:spcAft>
+              <a:buClr>
+                <a:schemeClr val="accent1"/>
+              </a:buClr>
+              <a:buFont typeface="Wingdings 2" pitchFamily="18" charset="2"/>
+              <a:buChar char=""/>
+              <a:defRPr sz="1400" kern="1200">
+                <a:solidFill>
+                  <a:schemeClr val="tx1">
+                    <a:lumMod val="85000"/>
+                    <a:lumOff val="15000"/>
+                  </a:schemeClr>
+                </a:solidFill>
+                <a:latin typeface="+mn-lt"/>
+                <a:ea typeface="+mn-ea"/>
+                <a:cs typeface="+mn-cs"/>
+              </a:defRPr>
+            </a:lvl9pPr>
+          </a:lstStyle>
+          <a:p>
+            <a:r>
               <a:rPr lang="hu-HU" sz="3200" dirty="0">
                 <a:latin typeface="Times New Roman" panose="02020603050405020304" pitchFamily="18" charset="0"/>
                 <a:cs typeface="Times New Roman" panose="02020603050405020304" pitchFamily="18" charset="0"/>
               </a:rPr>
               <a:t>2) 199.40.0.0/27</a:t>
+            </a:r>
+          </a:p>
+          <a:p>
+            <a:r>
+              <a:rPr lang="hu-HU" sz="2800" dirty="0"/>
+              <a:t>199.40.0.0-199.40.0.31</a:t>
+            </a:r>
+          </a:p>
+          <a:p>
+            <a:r>
+              <a:rPr lang="hu-HU" sz="2800" dirty="0"/>
+              <a:t>199.40.0.32-199.40.0.63</a:t>
+            </a:r>
+          </a:p>
+          <a:p>
+            <a:r>
+              <a:rPr lang="hu-HU" sz="2800" dirty="0"/>
+              <a:t>199.40.0.64-199.40.0.95</a:t>
+            </a:r>
+          </a:p>
+          <a:p>
+            <a:r>
+              <a:rPr lang="hu-HU" sz="2800" dirty="0"/>
+              <a:t>199.40.0.96-199.40.0.127</a:t>
+            </a:r>
+          </a:p>
+          <a:p>
+            <a:r>
+              <a:rPr lang="hu-HU" sz="2800" dirty="0"/>
+              <a:t>^példák</a:t>
+            </a:r>
+            <a:endParaRPr lang="hu-HU" sz="2800" dirty="0">
+              <a:latin typeface="Times New Roman" panose="02020603050405020304" pitchFamily="18" charset="0"/>
+              <a:cs typeface="Times New Roman" panose="02020603050405020304" pitchFamily="18" charset="0"/>
+            </a:endParaRPr>
+          </a:p>
+          <a:p>
+            <a:r>
+              <a:rPr lang="hu-HU" sz="3200" dirty="0" err="1">
+                <a:latin typeface="Times New Roman" panose="02020603050405020304" pitchFamily="18" charset="0"/>
+                <a:cs typeface="Times New Roman" panose="02020603050405020304" pitchFamily="18" charset="0"/>
+              </a:rPr>
+              <a:t>Alh</a:t>
+            </a:r>
+            <a:r>
+              <a:rPr lang="hu-HU" sz="3200" dirty="0">
+                <a:latin typeface="Times New Roman" panose="02020603050405020304" pitchFamily="18" charset="0"/>
+                <a:cs typeface="Times New Roman" panose="02020603050405020304" pitchFamily="18" charset="0"/>
+              </a:rPr>
+              <a:t>. maszk 255.255.255.224 (/27)</a:t>
             </a:r>
           </a:p>
         </p:txBody>
@@ -3919,7 +4284,7 @@
           <a:lstStyle/>
           <a:p>
             <a:r>
-              <a:rPr lang="hu-HU" sz="4400" dirty="0">
+              <a:rPr lang="hu-HU" sz="4400" b="1" dirty="0">
                 <a:latin typeface="Times New Roman" panose="02020603050405020304" pitchFamily="18" charset="0"/>
                 <a:cs typeface="Times New Roman" panose="02020603050405020304" pitchFamily="18" charset="0"/>
               </a:rPr>
@@ -4605,13 +4970,13 @@
           <a:lstStyle/>
           <a:p>
             <a:r>
-              <a:rPr lang="hu-HU" sz="4400" dirty="0" err="1">
+              <a:rPr lang="hu-HU" sz="4400" b="1" dirty="0" err="1">
                 <a:latin typeface="Times New Roman" panose="02020603050405020304" pitchFamily="18" charset="0"/>
                 <a:cs typeface="Times New Roman" panose="02020603050405020304" pitchFamily="18" charset="0"/>
               </a:rPr>
               <a:t>Vlanok</a:t>
             </a:r>
-            <a:endParaRPr lang="hu-HU" sz="4400" dirty="0">
+            <a:endParaRPr lang="hu-HU" sz="4400" b="1" dirty="0">
               <a:latin typeface="Times New Roman" panose="02020603050405020304" pitchFamily="18" charset="0"/>
               <a:cs typeface="Times New Roman" panose="02020603050405020304" pitchFamily="18" charset="0"/>
             </a:endParaRPr>

--- a/Projekt.pptx
+++ b/Projekt.pptx
@@ -10,7 +10,8 @@
     <p:sldId id="257" r:id="rId4"/>
     <p:sldId id="258" r:id="rId5"/>
     <p:sldId id="260" r:id="rId6"/>
-    <p:sldId id="259" r:id="rId7"/>
+    <p:sldId id="262" r:id="rId7"/>
+    <p:sldId id="259" r:id="rId8"/>
   </p:sldIdLst>
   <p:sldSz cx="12192000" cy="6858000"/>
   <p:notesSz cx="6858000" cy="9144000"/>
@@ -285,7 +286,7 @@
           <a:p>
             <a:fld id="{317F292F-06F0-410F-8036-6E8B9B0B08EB}" type="datetimeFigureOut">
               <a:rPr lang="hu-HU" smtClean="0"/>
-              <a:t>2023.01.26.</a:t>
+              <a:t>2023.01.27.</a:t>
             </a:fld>
             <a:endParaRPr lang="hu-HU"/>
           </a:p>
@@ -513,7 +514,7 @@
           <a:p>
             <a:fld id="{317F292F-06F0-410F-8036-6E8B9B0B08EB}" type="datetimeFigureOut">
               <a:rPr lang="hu-HU" smtClean="0"/>
-              <a:t>2023.01.26.</a:t>
+              <a:t>2023.01.27.</a:t>
             </a:fld>
             <a:endParaRPr lang="hu-HU"/>
           </a:p>
@@ -693,7 +694,7 @@
           <a:p>
             <a:fld id="{317F292F-06F0-410F-8036-6E8B9B0B08EB}" type="datetimeFigureOut">
               <a:rPr lang="hu-HU" smtClean="0"/>
-              <a:t>2023.01.26.</a:t>
+              <a:t>2023.01.27.</a:t>
             </a:fld>
             <a:endParaRPr lang="hu-HU"/>
           </a:p>
@@ -863,7 +864,7 @@
           <a:p>
             <a:fld id="{317F292F-06F0-410F-8036-6E8B9B0B08EB}" type="datetimeFigureOut">
               <a:rPr lang="hu-HU" smtClean="0"/>
-              <a:t>2023.01.26.</a:t>
+              <a:t>2023.01.27.</a:t>
             </a:fld>
             <a:endParaRPr lang="hu-HU"/>
           </a:p>
@@ -1117,7 +1118,7 @@
           <a:p>
             <a:fld id="{317F292F-06F0-410F-8036-6E8B9B0B08EB}" type="datetimeFigureOut">
               <a:rPr lang="hu-HU" smtClean="0"/>
-              <a:t>2023.01.26.</a:t>
+              <a:t>2023.01.27.</a:t>
             </a:fld>
             <a:endParaRPr lang="hu-HU"/>
           </a:p>
@@ -1443,7 +1444,7 @@
           <a:p>
             <a:fld id="{317F292F-06F0-410F-8036-6E8B9B0B08EB}" type="datetimeFigureOut">
               <a:rPr lang="hu-HU" smtClean="0"/>
-              <a:t>2023.01.26.</a:t>
+              <a:t>2023.01.27.</a:t>
             </a:fld>
             <a:endParaRPr lang="hu-HU"/>
           </a:p>
@@ -1894,7 +1895,7 @@
           <a:p>
             <a:fld id="{317F292F-06F0-410F-8036-6E8B9B0B08EB}" type="datetimeFigureOut">
               <a:rPr lang="hu-HU" smtClean="0"/>
-              <a:t>2023.01.26.</a:t>
+              <a:t>2023.01.27.</a:t>
             </a:fld>
             <a:endParaRPr lang="hu-HU"/>
           </a:p>
@@ -2012,7 +2013,7 @@
           <a:p>
             <a:fld id="{317F292F-06F0-410F-8036-6E8B9B0B08EB}" type="datetimeFigureOut">
               <a:rPr lang="hu-HU" smtClean="0"/>
-              <a:t>2023.01.26.</a:t>
+              <a:t>2023.01.27.</a:t>
             </a:fld>
             <a:endParaRPr lang="hu-HU"/>
           </a:p>
@@ -2107,7 +2108,7 @@
           <a:p>
             <a:fld id="{317F292F-06F0-410F-8036-6E8B9B0B08EB}" type="datetimeFigureOut">
               <a:rPr lang="hu-HU" smtClean="0"/>
-              <a:t>2023.01.26.</a:t>
+              <a:t>2023.01.27.</a:t>
             </a:fld>
             <a:endParaRPr lang="hu-HU"/>
           </a:p>
@@ -2394,7 +2395,7 @@
           <a:p>
             <a:fld id="{317F292F-06F0-410F-8036-6E8B9B0B08EB}" type="datetimeFigureOut">
               <a:rPr lang="hu-HU" smtClean="0"/>
-              <a:t>2023.01.26.</a:t>
+              <a:t>2023.01.27.</a:t>
             </a:fld>
             <a:endParaRPr lang="hu-HU"/>
           </a:p>
@@ -2716,7 +2717,7 @@
           <a:p>
             <a:fld id="{317F292F-06F0-410F-8036-6E8B9B0B08EB}" type="datetimeFigureOut">
               <a:rPr lang="hu-HU" smtClean="0"/>
-              <a:t>2023.01.26.</a:t>
+              <a:t>2023.01.27.</a:t>
             </a:fld>
             <a:endParaRPr lang="hu-HU"/>
           </a:p>
@@ -2970,7 +2971,7 @@
           <a:p>
             <a:fld id="{317F292F-06F0-410F-8036-6E8B9B0B08EB}" type="datetimeFigureOut">
               <a:rPr lang="hu-HU" smtClean="0"/>
-              <a:t>2023.01.26.</a:t>
+              <a:t>2023.01.27.</a:t>
             </a:fld>
             <a:endParaRPr lang="hu-HU"/>
           </a:p>
@@ -4673,40 +4674,6 @@
           </a:p>
         </p:txBody>
       </p:sp>
-      <p:pic>
-        <p:nvPicPr>
-          <p:cNvPr id="5" name="Tartalom helye 4">
-            <a:extLst>
-              <a:ext uri="{FF2B5EF4-FFF2-40B4-BE49-F238E27FC236}">
-                <a16:creationId xmlns:a16="http://schemas.microsoft.com/office/drawing/2014/main" id="{64766749-A76B-41D3-97EF-A97DD8116091}"/>
-              </a:ext>
-            </a:extLst>
-          </p:cNvPr>
-          <p:cNvPicPr>
-            <a:picLocks noGrp="1" noChangeAspect="1"/>
-          </p:cNvPicPr>
-          <p:nvPr>
-            <p:ph idx="1"/>
-          </p:nvPr>
-        </p:nvPicPr>
-        <p:blipFill rotWithShape="1">
-          <a:blip r:embed="rId2">
-            <a:extLst>
-              <a:ext uri="{28A0092B-C50C-407E-A947-70E740481C1C}">
-                <a14:useLocalDpi xmlns:a14="http://schemas.microsoft.com/office/drawing/2010/main" val="0"/>
-              </a:ext>
-            </a:extLst>
-          </a:blip>
-          <a:srcRect r="27156" b="32409"/>
-          <a:stretch/>
-        </p:blipFill>
-        <p:spPr>
-          <a:xfrm>
-            <a:off x="1654367" y="1069975"/>
-            <a:ext cx="7826303" cy="5000625"/>
-          </a:xfrm>
-        </p:spPr>
-      </p:pic>
       <p:sp>
         <p:nvSpPr>
           <p:cNvPr id="6" name="Szövegdoboz 5">
@@ -4721,8 +4688,8 @@
         </p:nvSpPr>
         <p:spPr>
           <a:xfrm>
-            <a:off x="1999456" y="745609"/>
-            <a:ext cx="2482056" cy="369332"/>
+            <a:off x="1226329" y="1052663"/>
+            <a:ext cx="3249608" cy="369332"/>
           </a:xfrm>
           <a:prstGeom prst="rect">
             <a:avLst/>
@@ -4743,7 +4710,10 @@
               <a:rPr lang="hu-HU" dirty="0" err="1"/>
               <a:t>Switch</a:t>
             </a:r>
-            <a:endParaRPr lang="hu-HU" dirty="0"/>
+            <a:r>
+              <a:rPr lang="hu-HU" dirty="0"/>
+              <a:t> – 1 Server</a:t>
+            </a:r>
           </a:p>
         </p:txBody>
       </p:sp>
@@ -4761,7 +4731,7 @@
         </p:nvSpPr>
         <p:spPr>
           <a:xfrm>
-            <a:off x="7073900" y="946150"/>
+            <a:off x="6426200" y="1140275"/>
             <a:ext cx="2266967" cy="369332"/>
           </a:xfrm>
           <a:prstGeom prst="rect">
@@ -4796,7 +4766,7 @@
         </p:nvSpPr>
         <p:spPr>
           <a:xfrm>
-            <a:off x="1028700" y="6025634"/>
+            <a:off x="119117" y="5529602"/>
             <a:ext cx="3121367" cy="369332"/>
           </a:xfrm>
           <a:prstGeom prst="rect">
@@ -4839,7 +4809,7 @@
         </p:nvSpPr>
         <p:spPr>
           <a:xfrm>
-            <a:off x="4150067" y="5752584"/>
+            <a:off x="3759400" y="5529602"/>
             <a:ext cx="3249608" cy="369332"/>
           </a:xfrm>
           <a:prstGeom prst="rect">
@@ -4882,7 +4852,7 @@
         </p:nvSpPr>
         <p:spPr>
           <a:xfrm>
-            <a:off x="6925012" y="5444093"/>
+            <a:off x="8251855" y="5489764"/>
             <a:ext cx="2397437" cy="369332"/>
           </a:xfrm>
           <a:prstGeom prst="rect">
@@ -4911,6 +4881,38 @@
           </a:p>
         </p:txBody>
       </p:sp>
+      <p:pic>
+        <p:nvPicPr>
+          <p:cNvPr id="11" name="Tartalom helye 10">
+            <a:extLst>
+              <a:ext uri="{FF2B5EF4-FFF2-40B4-BE49-F238E27FC236}">
+                <a16:creationId xmlns:a16="http://schemas.microsoft.com/office/drawing/2014/main" id="{4B4C5502-3C42-4222-99DF-51F6765526BD}"/>
+              </a:ext>
+            </a:extLst>
+          </p:cNvPr>
+          <p:cNvPicPr>
+            <a:picLocks noGrp="1" noChangeAspect="1"/>
+          </p:cNvPicPr>
+          <p:nvPr>
+            <p:ph idx="1"/>
+          </p:nvPr>
+        </p:nvPicPr>
+        <p:blipFill>
+          <a:blip r:embed="rId2"/>
+          <a:stretch>
+            <a:fillRect/>
+          </a:stretch>
+        </p:blipFill>
+        <p:spPr>
+          <a:xfrm>
+            <a:off x="1447800" y="1528507"/>
+            <a:ext cx="7872809" cy="4039411"/>
+          </a:xfrm>
+          <a:prstGeom prst="rect">
+            <a:avLst/>
+          </a:prstGeom>
+        </p:spPr>
+      </p:pic>
     </p:spTree>
     <p:extLst>
       <p:ext uri="{BB962C8B-B14F-4D97-AF65-F5344CB8AC3E}">
@@ -4925,6 +4927,99 @@
 </file>
 
 <file path=ppt/slides/slide6.xml><?xml version="1.0" encoding="utf-8"?>
+<p:sld xmlns:a="http://schemas.openxmlformats.org/drawingml/2006/main" xmlns:r="http://schemas.openxmlformats.org/officeDocument/2006/relationships" xmlns:p="http://schemas.openxmlformats.org/presentationml/2006/main">
+  <p:cSld>
+    <p:spTree>
+      <p:nvGrpSpPr>
+        <p:cNvPr id="1" name=""/>
+        <p:cNvGrpSpPr/>
+        <p:nvPr/>
+      </p:nvGrpSpPr>
+      <p:grpSpPr>
+        <a:xfrm>
+          <a:off x="0" y="0"/>
+          <a:ext cx="0" cy="0"/>
+          <a:chOff x="0" y="0"/>
+          <a:chExt cx="0" cy="0"/>
+        </a:xfrm>
+      </p:grpSpPr>
+      <p:sp>
+        <p:nvSpPr>
+          <p:cNvPr id="3" name="Tartalom helye 2">
+            <a:extLst>
+              <a:ext uri="{FF2B5EF4-FFF2-40B4-BE49-F238E27FC236}">
+                <a16:creationId xmlns:a16="http://schemas.microsoft.com/office/drawing/2014/main" id="{1E0C98E0-BD61-4B5E-B044-3633B6D3BE81}"/>
+              </a:ext>
+            </a:extLst>
+          </p:cNvPr>
+          <p:cNvSpPr>
+            <a:spLocks noGrp="1"/>
+          </p:cNvSpPr>
+          <p:nvPr>
+            <p:ph idx="1"/>
+          </p:nvPr>
+        </p:nvSpPr>
+        <p:spPr/>
+        <p:txBody>
+          <a:bodyPr/>
+          <a:lstStyle/>
+          <a:p>
+            <a:endParaRPr lang="hu-HU"/>
+          </a:p>
+        </p:txBody>
+      </p:sp>
+      <p:sp>
+        <p:nvSpPr>
+          <p:cNvPr id="5" name="Cím 1">
+            <a:extLst>
+              <a:ext uri="{FF2B5EF4-FFF2-40B4-BE49-F238E27FC236}">
+                <a16:creationId xmlns:a16="http://schemas.microsoft.com/office/drawing/2014/main" id="{EA39E1F0-6C6D-49D4-8E7B-0E1BD94D8A06}"/>
+              </a:ext>
+            </a:extLst>
+          </p:cNvPr>
+          <p:cNvSpPr>
+            <a:spLocks noGrp="1"/>
+          </p:cNvSpPr>
+          <p:nvPr>
+            <p:ph type="title"/>
+          </p:nvPr>
+        </p:nvSpPr>
+        <p:spPr>
+          <a:xfrm>
+            <a:off x="0" y="-165100"/>
+            <a:ext cx="4964112" cy="822325"/>
+          </a:xfrm>
+        </p:spPr>
+        <p:txBody>
+          <a:bodyPr>
+            <a:noAutofit/>
+          </a:bodyPr>
+          <a:lstStyle/>
+          <a:p>
+            <a:r>
+              <a:rPr lang="hu-HU" sz="4400" dirty="0">
+                <a:latin typeface="Times New Roman" panose="02020603050405020304" pitchFamily="18" charset="0"/>
+                <a:cs typeface="Times New Roman" panose="02020603050405020304" pitchFamily="18" charset="0"/>
+              </a:rPr>
+              <a:t>Használt</a:t>
+            </a:r>
+          </a:p>
+        </p:txBody>
+      </p:sp>
+    </p:spTree>
+    <p:extLst>
+      <p:ext uri="{BB962C8B-B14F-4D97-AF65-F5344CB8AC3E}">
+        <p14:creationId xmlns:p14="http://schemas.microsoft.com/office/powerpoint/2010/main" val="4263890678"/>
+      </p:ext>
+    </p:extLst>
+  </p:cSld>
+  <p:clrMapOvr>
+    <a:masterClrMapping/>
+  </p:clrMapOvr>
+</p:sld>
+</file>
+
+<file path=ppt/slides/slide7.xml><?xml version="1.0" encoding="utf-8"?>
 <p:sld xmlns:a="http://schemas.openxmlformats.org/drawingml/2006/main" xmlns:r="http://schemas.openxmlformats.org/officeDocument/2006/relationships" xmlns:p="http://schemas.openxmlformats.org/presentationml/2006/main">
   <p:cSld>
     <p:spTree>

--- a/Projekt.pptx
+++ b/Projekt.pptx
@@ -10,8 +10,13 @@
     <p:sldId id="257" r:id="rId4"/>
     <p:sldId id="258" r:id="rId5"/>
     <p:sldId id="260" r:id="rId6"/>
-    <p:sldId id="262" r:id="rId7"/>
-    <p:sldId id="259" r:id="rId8"/>
+    <p:sldId id="259" r:id="rId7"/>
+    <p:sldId id="263" r:id="rId8"/>
+    <p:sldId id="267" r:id="rId9"/>
+    <p:sldId id="268" r:id="rId10"/>
+    <p:sldId id="264" r:id="rId11"/>
+    <p:sldId id="265" r:id="rId12"/>
+    <p:sldId id="266" r:id="rId13"/>
   </p:sldIdLst>
   <p:sldSz cx="12192000" cy="6858000"/>
   <p:notesSz cx="6858000" cy="9144000"/>
@@ -286,7 +291,7 @@
           <a:p>
             <a:fld id="{317F292F-06F0-410F-8036-6E8B9B0B08EB}" type="datetimeFigureOut">
               <a:rPr lang="hu-HU" smtClean="0"/>
-              <a:t>2023.01.27.</a:t>
+              <a:t>2023.02.01.</a:t>
             </a:fld>
             <a:endParaRPr lang="hu-HU"/>
           </a:p>
@@ -514,7 +519,7 @@
           <a:p>
             <a:fld id="{317F292F-06F0-410F-8036-6E8B9B0B08EB}" type="datetimeFigureOut">
               <a:rPr lang="hu-HU" smtClean="0"/>
-              <a:t>2023.01.27.</a:t>
+              <a:t>2023.02.01.</a:t>
             </a:fld>
             <a:endParaRPr lang="hu-HU"/>
           </a:p>
@@ -694,7 +699,7 @@
           <a:p>
             <a:fld id="{317F292F-06F0-410F-8036-6E8B9B0B08EB}" type="datetimeFigureOut">
               <a:rPr lang="hu-HU" smtClean="0"/>
-              <a:t>2023.01.27.</a:t>
+              <a:t>2023.02.01.</a:t>
             </a:fld>
             <a:endParaRPr lang="hu-HU"/>
           </a:p>
@@ -864,7 +869,7 @@
           <a:p>
             <a:fld id="{317F292F-06F0-410F-8036-6E8B9B0B08EB}" type="datetimeFigureOut">
               <a:rPr lang="hu-HU" smtClean="0"/>
-              <a:t>2023.01.27.</a:t>
+              <a:t>2023.02.01.</a:t>
             </a:fld>
             <a:endParaRPr lang="hu-HU"/>
           </a:p>
@@ -1118,7 +1123,7 @@
           <a:p>
             <a:fld id="{317F292F-06F0-410F-8036-6E8B9B0B08EB}" type="datetimeFigureOut">
               <a:rPr lang="hu-HU" smtClean="0"/>
-              <a:t>2023.01.27.</a:t>
+              <a:t>2023.02.01.</a:t>
             </a:fld>
             <a:endParaRPr lang="hu-HU"/>
           </a:p>
@@ -1444,7 +1449,7 @@
           <a:p>
             <a:fld id="{317F292F-06F0-410F-8036-6E8B9B0B08EB}" type="datetimeFigureOut">
               <a:rPr lang="hu-HU" smtClean="0"/>
-              <a:t>2023.01.27.</a:t>
+              <a:t>2023.02.01.</a:t>
             </a:fld>
             <a:endParaRPr lang="hu-HU"/>
           </a:p>
@@ -1895,7 +1900,7 @@
           <a:p>
             <a:fld id="{317F292F-06F0-410F-8036-6E8B9B0B08EB}" type="datetimeFigureOut">
               <a:rPr lang="hu-HU" smtClean="0"/>
-              <a:t>2023.01.27.</a:t>
+              <a:t>2023.02.01.</a:t>
             </a:fld>
             <a:endParaRPr lang="hu-HU"/>
           </a:p>
@@ -2013,7 +2018,7 @@
           <a:p>
             <a:fld id="{317F292F-06F0-410F-8036-6E8B9B0B08EB}" type="datetimeFigureOut">
               <a:rPr lang="hu-HU" smtClean="0"/>
-              <a:t>2023.01.27.</a:t>
+              <a:t>2023.02.01.</a:t>
             </a:fld>
             <a:endParaRPr lang="hu-HU"/>
           </a:p>
@@ -2108,7 +2113,7 @@
           <a:p>
             <a:fld id="{317F292F-06F0-410F-8036-6E8B9B0B08EB}" type="datetimeFigureOut">
               <a:rPr lang="hu-HU" smtClean="0"/>
-              <a:t>2023.01.27.</a:t>
+              <a:t>2023.02.01.</a:t>
             </a:fld>
             <a:endParaRPr lang="hu-HU"/>
           </a:p>
@@ -2395,7 +2400,7 @@
           <a:p>
             <a:fld id="{317F292F-06F0-410F-8036-6E8B9B0B08EB}" type="datetimeFigureOut">
               <a:rPr lang="hu-HU" smtClean="0"/>
-              <a:t>2023.01.27.</a:t>
+              <a:t>2023.02.01.</a:t>
             </a:fld>
             <a:endParaRPr lang="hu-HU"/>
           </a:p>
@@ -2717,7 +2722,7 @@
           <a:p>
             <a:fld id="{317F292F-06F0-410F-8036-6E8B9B0B08EB}" type="datetimeFigureOut">
               <a:rPr lang="hu-HU" smtClean="0"/>
-              <a:t>2023.01.27.</a:t>
+              <a:t>2023.02.01.</a:t>
             </a:fld>
             <a:endParaRPr lang="hu-HU"/>
           </a:p>
@@ -2971,7 +2976,7 @@
           <a:p>
             <a:fld id="{317F292F-06F0-410F-8036-6E8B9B0B08EB}" type="datetimeFigureOut">
               <a:rPr lang="hu-HU" smtClean="0"/>
-              <a:t>2023.01.27.</a:t>
+              <a:t>2023.02.01.</a:t>
             </a:fld>
             <a:endParaRPr lang="hu-HU"/>
           </a:p>
@@ -3572,6 +3577,448 @@
 </p:sld>
 </file>
 
+<file path=ppt/slides/slide10.xml><?xml version="1.0" encoding="utf-8"?>
+<p:sld xmlns:a="http://schemas.openxmlformats.org/drawingml/2006/main" xmlns:r="http://schemas.openxmlformats.org/officeDocument/2006/relationships" xmlns:p="http://schemas.openxmlformats.org/presentationml/2006/main">
+  <p:cSld>
+    <p:spTree>
+      <p:nvGrpSpPr>
+        <p:cNvPr id="1" name=""/>
+        <p:cNvGrpSpPr/>
+        <p:nvPr/>
+      </p:nvGrpSpPr>
+      <p:grpSpPr>
+        <a:xfrm>
+          <a:off x="0" y="0"/>
+          <a:ext cx="0" cy="0"/>
+          <a:chOff x="0" y="0"/>
+          <a:chExt cx="0" cy="0"/>
+        </a:xfrm>
+      </p:grpSpPr>
+      <p:sp>
+        <p:nvSpPr>
+          <p:cNvPr id="2" name="Cím 1"/>
+          <p:cNvSpPr>
+            <a:spLocks noGrp="1"/>
+          </p:cNvSpPr>
+          <p:nvPr>
+            <p:ph type="title"/>
+          </p:nvPr>
+        </p:nvSpPr>
+        <p:spPr>
+          <a:xfrm>
+            <a:off x="0" y="0"/>
+            <a:ext cx="4170556" cy="618890"/>
+          </a:xfrm>
+        </p:spPr>
+        <p:txBody>
+          <a:bodyPr>
+            <a:noAutofit/>
+          </a:bodyPr>
+          <a:lstStyle/>
+          <a:p>
+            <a:r>
+              <a:rPr lang="hu-HU" sz="4400" b="1" dirty="0" smtClean="0"/>
+              <a:t>Juhász </a:t>
+            </a:r>
+            <a:r>
+              <a:rPr lang="hu-HU" sz="4400" b="1" dirty="0" smtClean="0">
+                <a:latin typeface="Times New Roman" panose="02020603050405020304" pitchFamily="18" charset="0"/>
+                <a:cs typeface="Times New Roman" panose="02020603050405020304" pitchFamily="18" charset="0"/>
+              </a:rPr>
+              <a:t>Gábor</a:t>
+            </a:r>
+            <a:endParaRPr lang="hu-HU" sz="4400" b="1" dirty="0">
+              <a:latin typeface="Times New Roman" panose="02020603050405020304" pitchFamily="18" charset="0"/>
+              <a:cs typeface="Times New Roman" panose="02020603050405020304" pitchFamily="18" charset="0"/>
+            </a:endParaRPr>
+          </a:p>
+        </p:txBody>
+      </p:sp>
+      <p:sp>
+        <p:nvSpPr>
+          <p:cNvPr id="3" name="Tartalom helye 2"/>
+          <p:cNvSpPr>
+            <a:spLocks noGrp="1"/>
+          </p:cNvSpPr>
+          <p:nvPr>
+            <p:ph idx="1"/>
+          </p:nvPr>
+        </p:nvSpPr>
+        <p:spPr>
+          <a:xfrm>
+            <a:off x="434898" y="2185639"/>
+            <a:ext cx="9457060" cy="3250578"/>
+          </a:xfrm>
+        </p:spPr>
+        <p:txBody>
+          <a:bodyPr>
+            <a:normAutofit/>
+          </a:bodyPr>
+          <a:lstStyle/>
+          <a:p>
+            <a:r>
+              <a:rPr lang="hu-HU" sz="3200" dirty="0" smtClean="0">
+                <a:latin typeface="Times New Roman" panose="02020603050405020304" pitchFamily="18" charset="0"/>
+                <a:cs typeface="Times New Roman" panose="02020603050405020304" pitchFamily="18" charset="0"/>
+              </a:rPr>
+              <a:t>PPT</a:t>
+            </a:r>
+          </a:p>
+          <a:p>
+            <a:r>
+              <a:rPr lang="hu-HU" sz="3200" dirty="0" smtClean="0">
+                <a:latin typeface="Times New Roman" panose="02020603050405020304" pitchFamily="18" charset="0"/>
+                <a:cs typeface="Times New Roman" panose="02020603050405020304" pitchFamily="18" charset="0"/>
+              </a:rPr>
+              <a:t>README.md</a:t>
+            </a:r>
+          </a:p>
+          <a:p>
+            <a:endParaRPr lang="hu-HU" sz="3200" dirty="0" smtClean="0">
+              <a:latin typeface="Times New Roman" panose="02020603050405020304" pitchFamily="18" charset="0"/>
+              <a:cs typeface="Times New Roman" panose="02020603050405020304" pitchFamily="18" charset="0"/>
+            </a:endParaRPr>
+          </a:p>
+          <a:p>
+            <a:endParaRPr lang="hu-HU" sz="3200" dirty="0">
+              <a:latin typeface="Times New Roman" panose="02020603050405020304" pitchFamily="18" charset="0"/>
+              <a:cs typeface="Times New Roman" panose="02020603050405020304" pitchFamily="18" charset="0"/>
+            </a:endParaRPr>
+          </a:p>
+        </p:txBody>
+      </p:sp>
+      <p:pic>
+        <p:nvPicPr>
+          <p:cNvPr id="5" name="Kép 4"/>
+          <p:cNvPicPr>
+            <a:picLocks noChangeAspect="1"/>
+          </p:cNvPicPr>
+          <p:nvPr/>
+        </p:nvPicPr>
+        <p:blipFill>
+          <a:blip r:embed="rId2" cstate="hqprint">
+            <a:extLst>
+              <a:ext uri="{28A0092B-C50C-407E-A947-70E740481C1C}">
+                <a14:useLocalDpi xmlns:a14="http://schemas.microsoft.com/office/drawing/2010/main" val="0"/>
+              </a:ext>
+            </a:extLst>
+          </a:blip>
+          <a:stretch>
+            <a:fillRect/>
+          </a:stretch>
+        </p:blipFill>
+        <p:spPr>
+          <a:xfrm>
+            <a:off x="6322740" y="618890"/>
+            <a:ext cx="4028843" cy="5371791"/>
+          </a:xfrm>
+          <a:prstGeom prst="rect">
+            <a:avLst/>
+          </a:prstGeom>
+        </p:spPr>
+      </p:pic>
+    </p:spTree>
+    <p:extLst>
+      <p:ext uri="{BB962C8B-B14F-4D97-AF65-F5344CB8AC3E}">
+        <p14:creationId xmlns:p14="http://schemas.microsoft.com/office/powerpoint/2010/main" val="1461667888"/>
+      </p:ext>
+    </p:extLst>
+  </p:cSld>
+  <p:clrMapOvr>
+    <a:masterClrMapping/>
+  </p:clrMapOvr>
+</p:sld>
+</file>
+
+<file path=ppt/slides/slide11.xml><?xml version="1.0" encoding="utf-8"?>
+<p:sld xmlns:a="http://schemas.openxmlformats.org/drawingml/2006/main" xmlns:r="http://schemas.openxmlformats.org/officeDocument/2006/relationships" xmlns:p="http://schemas.openxmlformats.org/presentationml/2006/main">
+  <p:cSld>
+    <p:spTree>
+      <p:nvGrpSpPr>
+        <p:cNvPr id="1" name=""/>
+        <p:cNvGrpSpPr/>
+        <p:nvPr/>
+      </p:nvGrpSpPr>
+      <p:grpSpPr>
+        <a:xfrm>
+          <a:off x="0" y="0"/>
+          <a:ext cx="0" cy="0"/>
+          <a:chOff x="0" y="0"/>
+          <a:chExt cx="0" cy="0"/>
+        </a:xfrm>
+      </p:grpSpPr>
+      <p:sp>
+        <p:nvSpPr>
+          <p:cNvPr id="2" name="Cím 1"/>
+          <p:cNvSpPr>
+            <a:spLocks noGrp="1"/>
+          </p:cNvSpPr>
+          <p:nvPr>
+            <p:ph type="title"/>
+          </p:nvPr>
+        </p:nvSpPr>
+        <p:spPr>
+          <a:xfrm>
+            <a:off x="0" y="0"/>
+            <a:ext cx="4170556" cy="618890"/>
+          </a:xfrm>
+        </p:spPr>
+        <p:txBody>
+          <a:bodyPr>
+            <a:noAutofit/>
+          </a:bodyPr>
+          <a:lstStyle/>
+          <a:p>
+            <a:r>
+              <a:rPr lang="hu-HU" sz="4400" b="1" dirty="0" smtClean="0">
+                <a:latin typeface="Times New Roman" panose="02020603050405020304" pitchFamily="18" charset="0"/>
+                <a:cs typeface="Times New Roman" panose="02020603050405020304" pitchFamily="18" charset="0"/>
+              </a:rPr>
+              <a:t>Oroszlán Mihály</a:t>
+            </a:r>
+            <a:endParaRPr lang="hu-HU" sz="4400" b="1" dirty="0">
+              <a:latin typeface="Times New Roman" panose="02020603050405020304" pitchFamily="18" charset="0"/>
+              <a:cs typeface="Times New Roman" panose="02020603050405020304" pitchFamily="18" charset="0"/>
+            </a:endParaRPr>
+          </a:p>
+        </p:txBody>
+      </p:sp>
+      <p:sp>
+        <p:nvSpPr>
+          <p:cNvPr id="3" name="Tartalom helye 2"/>
+          <p:cNvSpPr>
+            <a:spLocks noGrp="1"/>
+          </p:cNvSpPr>
+          <p:nvPr>
+            <p:ph idx="1"/>
+          </p:nvPr>
+        </p:nvSpPr>
+        <p:spPr>
+          <a:xfrm>
+            <a:off x="434898" y="2185639"/>
+            <a:ext cx="9457060" cy="3250578"/>
+          </a:xfrm>
+        </p:spPr>
+        <p:txBody>
+          <a:bodyPr>
+            <a:normAutofit/>
+          </a:bodyPr>
+          <a:lstStyle/>
+          <a:p>
+            <a:r>
+              <a:rPr lang="hu-HU" sz="3200" dirty="0" smtClean="0">
+                <a:latin typeface="Times New Roman" panose="02020603050405020304" pitchFamily="18" charset="0"/>
+                <a:cs typeface="Times New Roman" panose="02020603050405020304" pitchFamily="18" charset="0"/>
+              </a:rPr>
+              <a:t>Topológia</a:t>
+            </a:r>
+          </a:p>
+          <a:p>
+            <a:r>
+              <a:rPr lang="hu-HU" sz="3200" dirty="0" err="1" smtClean="0">
+                <a:latin typeface="Times New Roman" panose="02020603050405020304" pitchFamily="18" charset="0"/>
+                <a:cs typeface="Times New Roman" panose="02020603050405020304" pitchFamily="18" charset="0"/>
+              </a:rPr>
+              <a:t>Router,Switch</a:t>
+            </a:r>
+            <a:endParaRPr lang="hu-HU" sz="3200" dirty="0" smtClean="0">
+              <a:latin typeface="Times New Roman" panose="02020603050405020304" pitchFamily="18" charset="0"/>
+              <a:cs typeface="Times New Roman" panose="02020603050405020304" pitchFamily="18" charset="0"/>
+            </a:endParaRPr>
+          </a:p>
+        </p:txBody>
+      </p:sp>
+      <p:pic>
+        <p:nvPicPr>
+          <p:cNvPr id="4" name="Kép 3"/>
+          <p:cNvPicPr>
+            <a:picLocks noChangeAspect="1"/>
+          </p:cNvPicPr>
+          <p:nvPr/>
+        </p:nvPicPr>
+        <p:blipFill>
+          <a:blip r:embed="rId2">
+            <a:extLst>
+              <a:ext uri="{28A0092B-C50C-407E-A947-70E740481C1C}">
+                <a14:useLocalDpi xmlns:a14="http://schemas.microsoft.com/office/drawing/2010/main" val="0"/>
+              </a:ext>
+            </a:extLst>
+          </a:blip>
+          <a:stretch>
+            <a:fillRect/>
+          </a:stretch>
+        </p:blipFill>
+        <p:spPr>
+          <a:xfrm>
+            <a:off x="6242257" y="896123"/>
+            <a:ext cx="3649701" cy="4866268"/>
+          </a:xfrm>
+          <a:prstGeom prst="rect">
+            <a:avLst/>
+          </a:prstGeom>
+        </p:spPr>
+      </p:pic>
+    </p:spTree>
+    <p:extLst>
+      <p:ext uri="{BB962C8B-B14F-4D97-AF65-F5344CB8AC3E}">
+        <p14:creationId xmlns:p14="http://schemas.microsoft.com/office/powerpoint/2010/main" val="2850423397"/>
+      </p:ext>
+    </p:extLst>
+  </p:cSld>
+  <p:clrMapOvr>
+    <a:masterClrMapping/>
+  </p:clrMapOvr>
+</p:sld>
+</file>
+
+<file path=ppt/slides/slide12.xml><?xml version="1.0" encoding="utf-8"?>
+<p:sld xmlns:a="http://schemas.openxmlformats.org/drawingml/2006/main" xmlns:r="http://schemas.openxmlformats.org/officeDocument/2006/relationships" xmlns:p="http://schemas.openxmlformats.org/presentationml/2006/main">
+  <p:cSld>
+    <p:spTree>
+      <p:nvGrpSpPr>
+        <p:cNvPr id="1" name=""/>
+        <p:cNvGrpSpPr/>
+        <p:nvPr/>
+      </p:nvGrpSpPr>
+      <p:grpSpPr>
+        <a:xfrm>
+          <a:off x="0" y="0"/>
+          <a:ext cx="0" cy="0"/>
+          <a:chOff x="0" y="0"/>
+          <a:chExt cx="0" cy="0"/>
+        </a:xfrm>
+      </p:grpSpPr>
+      <p:sp>
+        <p:nvSpPr>
+          <p:cNvPr id="2" name="Cím 1"/>
+          <p:cNvSpPr>
+            <a:spLocks noGrp="1"/>
+          </p:cNvSpPr>
+          <p:nvPr>
+            <p:ph type="title"/>
+          </p:nvPr>
+        </p:nvSpPr>
+        <p:spPr>
+          <a:xfrm>
+            <a:off x="0" y="0"/>
+            <a:ext cx="4594302" cy="618890"/>
+          </a:xfrm>
+        </p:spPr>
+        <p:txBody>
+          <a:bodyPr>
+            <a:noAutofit/>
+          </a:bodyPr>
+          <a:lstStyle/>
+          <a:p>
+            <a:r>
+              <a:rPr lang="hu-HU" sz="4400" b="1" dirty="0" err="1" smtClean="0">
+                <a:latin typeface="Times New Roman" panose="02020603050405020304" pitchFamily="18" charset="0"/>
+                <a:cs typeface="Times New Roman" panose="02020603050405020304" pitchFamily="18" charset="0"/>
+              </a:rPr>
+              <a:t>Riazáncev</a:t>
+            </a:r>
+            <a:r>
+              <a:rPr lang="hu-HU" sz="4400" b="1" dirty="0" smtClean="0">
+                <a:latin typeface="Times New Roman" panose="02020603050405020304" pitchFamily="18" charset="0"/>
+                <a:cs typeface="Times New Roman" panose="02020603050405020304" pitchFamily="18" charset="0"/>
+              </a:rPr>
+              <a:t> Csanád</a:t>
+            </a:r>
+            <a:endParaRPr lang="hu-HU" sz="4400" b="1" dirty="0">
+              <a:latin typeface="Times New Roman" panose="02020603050405020304" pitchFamily="18" charset="0"/>
+              <a:cs typeface="Times New Roman" panose="02020603050405020304" pitchFamily="18" charset="0"/>
+            </a:endParaRPr>
+          </a:p>
+        </p:txBody>
+      </p:sp>
+      <p:sp>
+        <p:nvSpPr>
+          <p:cNvPr id="3" name="Tartalom helye 2"/>
+          <p:cNvSpPr>
+            <a:spLocks noGrp="1"/>
+          </p:cNvSpPr>
+          <p:nvPr>
+            <p:ph idx="1"/>
+          </p:nvPr>
+        </p:nvSpPr>
+        <p:spPr>
+          <a:xfrm>
+            <a:off x="434898" y="2185639"/>
+            <a:ext cx="9457060" cy="3250578"/>
+          </a:xfrm>
+        </p:spPr>
+        <p:txBody>
+          <a:bodyPr>
+            <a:normAutofit/>
+          </a:bodyPr>
+          <a:lstStyle/>
+          <a:p>
+            <a:r>
+              <a:rPr lang="hu-HU" sz="3200" dirty="0" smtClean="0">
+                <a:latin typeface="Times New Roman" panose="02020603050405020304" pitchFamily="18" charset="0"/>
+                <a:cs typeface="Times New Roman" panose="02020603050405020304" pitchFamily="18" charset="0"/>
+              </a:rPr>
+              <a:t>Topológia vázlat</a:t>
+            </a:r>
+          </a:p>
+          <a:p>
+            <a:r>
+              <a:rPr lang="hu-HU" sz="3200" dirty="0" smtClean="0">
+                <a:latin typeface="Times New Roman" panose="02020603050405020304" pitchFamily="18" charset="0"/>
+                <a:cs typeface="Times New Roman" panose="02020603050405020304" pitchFamily="18" charset="0"/>
+              </a:rPr>
+              <a:t>DHCP</a:t>
+            </a:r>
+            <a:endParaRPr lang="hu-HU" sz="3200" dirty="0">
+              <a:latin typeface="Times New Roman" panose="02020603050405020304" pitchFamily="18" charset="0"/>
+              <a:cs typeface="Times New Roman" panose="02020603050405020304" pitchFamily="18" charset="0"/>
+            </a:endParaRPr>
+          </a:p>
+        </p:txBody>
+      </p:sp>
+      <p:pic>
+        <p:nvPicPr>
+          <p:cNvPr id="5" name="Kép 4"/>
+          <p:cNvPicPr>
+            <a:picLocks noChangeAspect="1"/>
+          </p:cNvPicPr>
+          <p:nvPr/>
+        </p:nvPicPr>
+        <p:blipFill>
+          <a:blip r:embed="rId2" cstate="print">
+            <a:extLst>
+              <a:ext uri="{28A0092B-C50C-407E-A947-70E740481C1C}">
+                <a14:useLocalDpi xmlns:a14="http://schemas.microsoft.com/office/drawing/2010/main" val="0"/>
+              </a:ext>
+            </a:extLst>
+          </a:blip>
+          <a:stretch>
+            <a:fillRect/>
+          </a:stretch>
+        </p:blipFill>
+        <p:spPr>
+          <a:xfrm>
+            <a:off x="6222380" y="763856"/>
+            <a:ext cx="3546914" cy="5093604"/>
+          </a:xfrm>
+          <a:prstGeom prst="rect">
+            <a:avLst/>
+          </a:prstGeom>
+        </p:spPr>
+      </p:pic>
+    </p:spTree>
+    <p:extLst>
+      <p:ext uri="{BB962C8B-B14F-4D97-AF65-F5344CB8AC3E}">
+        <p14:creationId xmlns:p14="http://schemas.microsoft.com/office/powerpoint/2010/main" val="4108415162"/>
+      </p:ext>
+    </p:extLst>
+  </p:cSld>
+  <p:clrMapOvr>
+    <a:masterClrMapping/>
+  </p:clrMapOvr>
+</p:sld>
+</file>
+
 <file path=ppt/slides/slide2.xml><?xml version="1.0" encoding="utf-8"?>
 <p:sld xmlns:a="http://schemas.openxmlformats.org/drawingml/2006/main" xmlns:r="http://schemas.openxmlformats.org/officeDocument/2006/relationships" xmlns:p="http://schemas.openxmlformats.org/presentationml/2006/main">
   <p:cSld>
@@ -4945,10 +5392,52 @@
       </p:grpSpPr>
       <p:sp>
         <p:nvSpPr>
+          <p:cNvPr id="2" name="Cím 1">
+            <a:extLst>
+              <a:ext uri="{FF2B5EF4-FFF2-40B4-BE49-F238E27FC236}">
+                <a16:creationId xmlns:a16="http://schemas.microsoft.com/office/drawing/2014/main" id="{F5DFCDF7-0FF0-4070-934D-34A4EA69F481}"/>
+              </a:ext>
+            </a:extLst>
+          </p:cNvPr>
+          <p:cNvSpPr>
+            <a:spLocks noGrp="1"/>
+          </p:cNvSpPr>
+          <p:nvPr>
+            <p:ph type="title"/>
+          </p:nvPr>
+        </p:nvSpPr>
+        <p:spPr>
+          <a:xfrm>
+            <a:off x="0" y="-215900"/>
+            <a:ext cx="6373812" cy="898525"/>
+          </a:xfrm>
+        </p:spPr>
+        <p:txBody>
+          <a:bodyPr>
+            <a:noAutofit/>
+          </a:bodyPr>
+          <a:lstStyle/>
+          <a:p>
+            <a:r>
+              <a:rPr lang="hu-HU" sz="4400" b="1" dirty="0" err="1">
+                <a:latin typeface="Times New Roman" panose="02020603050405020304" pitchFamily="18" charset="0"/>
+                <a:cs typeface="Times New Roman" panose="02020603050405020304" pitchFamily="18" charset="0"/>
+              </a:rPr>
+              <a:t>Vlanok</a:t>
+            </a:r>
+            <a:endParaRPr lang="hu-HU" sz="4400" b="1" dirty="0">
+              <a:latin typeface="Times New Roman" panose="02020603050405020304" pitchFamily="18" charset="0"/>
+              <a:cs typeface="Times New Roman" panose="02020603050405020304" pitchFamily="18" charset="0"/>
+            </a:endParaRPr>
+          </a:p>
+        </p:txBody>
+      </p:sp>
+      <p:sp>
+        <p:nvSpPr>
           <p:cNvPr id="3" name="Tartalom helye 2">
             <a:extLst>
               <a:ext uri="{FF2B5EF4-FFF2-40B4-BE49-F238E27FC236}">
-                <a16:creationId xmlns:a16="http://schemas.microsoft.com/office/drawing/2014/main" id="{1E0C98E0-BD61-4B5E-B044-3633B6D3BE81}"/>
+                <a16:creationId xmlns:a16="http://schemas.microsoft.com/office/drawing/2014/main" id="{15BF8133-58A8-4A2D-ADBF-227EDB13406F}"/>
               </a:ext>
             </a:extLst>
           </p:cNvPr>
@@ -4959,49 +5448,85 @@
             <p:ph idx="1"/>
           </p:nvPr>
         </p:nvSpPr>
-        <p:spPr/>
-        <p:txBody>
-          <a:bodyPr/>
-          <a:lstStyle/>
-          <a:p>
-            <a:endParaRPr lang="hu-HU"/>
-          </a:p>
-        </p:txBody>
-      </p:sp>
-      <p:sp>
-        <p:nvSpPr>
-          <p:cNvPr id="5" name="Cím 1">
-            <a:extLst>
-              <a:ext uri="{FF2B5EF4-FFF2-40B4-BE49-F238E27FC236}">
-                <a16:creationId xmlns:a16="http://schemas.microsoft.com/office/drawing/2014/main" id="{EA39E1F0-6C6D-49D4-8E7B-0E1BD94D8A06}"/>
-              </a:ext>
-            </a:extLst>
-          </p:cNvPr>
-          <p:cNvSpPr>
-            <a:spLocks noGrp="1"/>
-          </p:cNvSpPr>
-          <p:nvPr>
-            <p:ph type="title"/>
-          </p:nvPr>
-        </p:nvSpPr>
-        <p:spPr>
-          <a:xfrm>
-            <a:off x="0" y="-165100"/>
-            <a:ext cx="4964112" cy="822325"/>
+        <p:spPr>
+          <a:xfrm>
+            <a:off x="839788" y="1181100"/>
+            <a:ext cx="10515600" cy="4679950"/>
           </a:xfrm>
         </p:spPr>
         <p:txBody>
           <a:bodyPr>
-            <a:noAutofit/>
+            <a:normAutofit/>
           </a:bodyPr>
           <a:lstStyle/>
           <a:p>
             <a:r>
-              <a:rPr lang="hu-HU" sz="4400" dirty="0">
+              <a:rPr lang="hu-HU" sz="3200" dirty="0">
                 <a:latin typeface="Times New Roman" panose="02020603050405020304" pitchFamily="18" charset="0"/>
                 <a:cs typeface="Times New Roman" panose="02020603050405020304" pitchFamily="18" charset="0"/>
               </a:rPr>
-              <a:t>Használt</a:t>
+              <a:t>5db </a:t>
+            </a:r>
+            <a:r>
+              <a:rPr lang="hu-HU" sz="3200" dirty="0" err="1">
+                <a:latin typeface="Times New Roman" panose="02020603050405020304" pitchFamily="18" charset="0"/>
+                <a:cs typeface="Times New Roman" panose="02020603050405020304" pitchFamily="18" charset="0"/>
+              </a:rPr>
+              <a:t>Vlan</a:t>
+            </a:r>
+            <a:endParaRPr lang="hu-HU" sz="3200" dirty="0">
+              <a:latin typeface="Times New Roman" panose="02020603050405020304" pitchFamily="18" charset="0"/>
+              <a:cs typeface="Times New Roman" panose="02020603050405020304" pitchFamily="18" charset="0"/>
+            </a:endParaRPr>
+          </a:p>
+          <a:p>
+            <a:pPr lvl="1"/>
+            <a:r>
+              <a:rPr lang="hu-HU" sz="3000" dirty="0">
+                <a:latin typeface="Times New Roman" panose="02020603050405020304" pitchFamily="18" charset="0"/>
+                <a:cs typeface="Times New Roman" panose="02020603050405020304" pitchFamily="18" charset="0"/>
+              </a:rPr>
+              <a:t>Porta</a:t>
+            </a:r>
+          </a:p>
+          <a:p>
+            <a:pPr lvl="1"/>
+            <a:r>
+              <a:rPr lang="hu-HU" sz="3000" dirty="0">
+                <a:latin typeface="Times New Roman" panose="02020603050405020304" pitchFamily="18" charset="0"/>
+                <a:cs typeface="Times New Roman" panose="02020603050405020304" pitchFamily="18" charset="0"/>
+              </a:rPr>
+              <a:t>Management</a:t>
+            </a:r>
+          </a:p>
+          <a:p>
+            <a:pPr lvl="1"/>
+            <a:r>
+              <a:rPr lang="hu-HU" sz="3000" dirty="0">
+                <a:latin typeface="Times New Roman" panose="02020603050405020304" pitchFamily="18" charset="0"/>
+                <a:cs typeface="Times New Roman" panose="02020603050405020304" pitchFamily="18" charset="0"/>
+              </a:rPr>
+              <a:t>Raktár</a:t>
+            </a:r>
+          </a:p>
+          <a:p>
+            <a:pPr lvl="1"/>
+            <a:r>
+              <a:rPr lang="hu-HU" sz="3000" dirty="0">
+                <a:latin typeface="Times New Roman" panose="02020603050405020304" pitchFamily="18" charset="0"/>
+                <a:cs typeface="Times New Roman" panose="02020603050405020304" pitchFamily="18" charset="0"/>
+              </a:rPr>
+              <a:t>Iroda(titkárság)</a:t>
+            </a:r>
+          </a:p>
+          <a:p>
+            <a:pPr lvl="1"/>
+            <a:r>
+              <a:rPr lang="hu-HU" sz="3000" dirty="0">
+                <a:latin typeface="Times New Roman" panose="02020603050405020304" pitchFamily="18" charset="0"/>
+                <a:cs typeface="Times New Roman" panose="02020603050405020304" pitchFamily="18" charset="0"/>
+              </a:rPr>
+              <a:t>Igazgatóság</a:t>
             </a:r>
           </a:p>
         </p:txBody>
@@ -5009,7 +5534,7 @@
     </p:spTree>
     <p:extLst>
       <p:ext uri="{BB962C8B-B14F-4D97-AF65-F5344CB8AC3E}">
-        <p14:creationId xmlns:p14="http://schemas.microsoft.com/office/powerpoint/2010/main" val="4263890678"/>
+        <p14:creationId xmlns:p14="http://schemas.microsoft.com/office/powerpoint/2010/main" val="3051492043"/>
       </p:ext>
     </p:extLst>
   </p:cSld>
@@ -5038,55 +5563,108 @@
       </p:grpSpPr>
       <p:sp>
         <p:nvSpPr>
-          <p:cNvPr id="2" name="Cím 1">
-            <a:extLst>
-              <a:ext uri="{FF2B5EF4-FFF2-40B4-BE49-F238E27FC236}">
-                <a16:creationId xmlns:a16="http://schemas.microsoft.com/office/drawing/2014/main" id="{F5DFCDF7-0FF0-4070-934D-34A4EA69F481}"/>
-              </a:ext>
-            </a:extLst>
-          </p:cNvPr>
-          <p:cNvSpPr>
-            <a:spLocks noGrp="1"/>
-          </p:cNvSpPr>
-          <p:nvPr>
-            <p:ph type="title"/>
-          </p:nvPr>
-        </p:nvSpPr>
-        <p:spPr>
-          <a:xfrm>
-            <a:off x="0" y="-215900"/>
-            <a:ext cx="6373812" cy="898525"/>
+          <p:cNvPr id="2" name="Cím 1"/>
+          <p:cNvSpPr>
+            <a:spLocks noGrp="1"/>
+          </p:cNvSpPr>
+          <p:nvPr>
+            <p:ph type="ctrTitle"/>
+          </p:nvPr>
+        </p:nvSpPr>
+        <p:spPr>
+          <a:xfrm>
+            <a:off x="657921" y="4137100"/>
+            <a:ext cx="8405344" cy="1031488"/>
           </a:xfrm>
         </p:spPr>
         <p:txBody>
           <a:bodyPr>
-            <a:noAutofit/>
+            <a:normAutofit/>
           </a:bodyPr>
           <a:lstStyle/>
           <a:p>
-            <a:r>
-              <a:rPr lang="hu-HU" sz="4400" b="1" dirty="0" err="1">
+            <a:pPr algn="ctr"/>
+            <a:r>
+              <a:rPr lang="hu-HU" dirty="0" smtClean="0">
                 <a:latin typeface="Times New Roman" panose="02020603050405020304" pitchFamily="18" charset="0"/>
                 <a:cs typeface="Times New Roman" panose="02020603050405020304" pitchFamily="18" charset="0"/>
               </a:rPr>
-              <a:t>Vlanok</a:t>
-            </a:r>
-            <a:endParaRPr lang="hu-HU" sz="4400" b="1" dirty="0">
+              <a:t>Csoporttagok munkája</a:t>
+            </a:r>
+            <a:endParaRPr lang="hu-HU" dirty="0">
               <a:latin typeface="Times New Roman" panose="02020603050405020304" pitchFamily="18" charset="0"/>
               <a:cs typeface="Times New Roman" panose="02020603050405020304" pitchFamily="18" charset="0"/>
             </a:endParaRPr>
           </a:p>
         </p:txBody>
       </p:sp>
-      <p:sp>
-        <p:nvSpPr>
-          <p:cNvPr id="3" name="Tartalom helye 2">
-            <a:extLst>
-              <a:ext uri="{FF2B5EF4-FFF2-40B4-BE49-F238E27FC236}">
-                <a16:creationId xmlns:a16="http://schemas.microsoft.com/office/drawing/2014/main" id="{15BF8133-58A8-4A2D-ADBF-227EDB13406F}"/>
-              </a:ext>
-            </a:extLst>
-          </p:cNvPr>
+    </p:spTree>
+    <p:extLst>
+      <p:ext uri="{BB962C8B-B14F-4D97-AF65-F5344CB8AC3E}">
+        <p14:creationId xmlns:p14="http://schemas.microsoft.com/office/powerpoint/2010/main" val="3942368266"/>
+      </p:ext>
+    </p:extLst>
+  </p:cSld>
+  <p:clrMapOvr>
+    <a:masterClrMapping/>
+  </p:clrMapOvr>
+</p:sld>
+</file>
+
+<file path=ppt/slides/slide8.xml><?xml version="1.0" encoding="utf-8"?>
+<p:sld xmlns:a="http://schemas.openxmlformats.org/drawingml/2006/main" xmlns:r="http://schemas.openxmlformats.org/officeDocument/2006/relationships" xmlns:p="http://schemas.openxmlformats.org/presentationml/2006/main">
+  <p:cSld>
+    <p:spTree>
+      <p:nvGrpSpPr>
+        <p:cNvPr id="1" name=""/>
+        <p:cNvGrpSpPr/>
+        <p:nvPr/>
+      </p:nvGrpSpPr>
+      <p:grpSpPr>
+        <a:xfrm>
+          <a:off x="0" y="0"/>
+          <a:ext cx="0" cy="0"/>
+          <a:chOff x="0" y="0"/>
+          <a:chExt cx="0" cy="0"/>
+        </a:xfrm>
+      </p:grpSpPr>
+      <p:sp>
+        <p:nvSpPr>
+          <p:cNvPr id="2" name="Cím 1"/>
+          <p:cNvSpPr>
+            <a:spLocks noGrp="1"/>
+          </p:cNvSpPr>
+          <p:nvPr>
+            <p:ph type="title"/>
+          </p:nvPr>
+        </p:nvSpPr>
+        <p:spPr>
+          <a:xfrm>
+            <a:off x="0" y="-392523"/>
+            <a:ext cx="2442117" cy="1325562"/>
+          </a:xfrm>
+        </p:spPr>
+        <p:txBody>
+          <a:bodyPr/>
+          <a:lstStyle/>
+          <a:p>
+            <a:r>
+              <a:rPr lang="hu-HU" b="1" dirty="0" err="1" smtClean="0">
+                <a:latin typeface="Times New Roman" panose="02020603050405020304" pitchFamily="18" charset="0"/>
+                <a:cs typeface="Times New Roman" panose="02020603050405020304" pitchFamily="18" charset="0"/>
+              </a:rPr>
+              <a:t>Github</a:t>
+            </a:r>
+            <a:endParaRPr lang="hu-HU" b="1" dirty="0">
+              <a:latin typeface="Times New Roman" panose="02020603050405020304" pitchFamily="18" charset="0"/>
+              <a:cs typeface="Times New Roman" panose="02020603050405020304" pitchFamily="18" charset="0"/>
+            </a:endParaRPr>
+          </a:p>
+        </p:txBody>
+      </p:sp>
+      <p:sp>
+        <p:nvSpPr>
+          <p:cNvPr id="3" name="Tartalom helye 2"/>
           <p:cNvSpPr>
             <a:spLocks noGrp="1"/>
           </p:cNvSpPr>
@@ -5096,8 +5674,8 @@
         </p:nvSpPr>
         <p:spPr>
           <a:xfrm>
-            <a:off x="839788" y="1181100"/>
-            <a:ext cx="10515600" cy="4679950"/>
+            <a:off x="79843" y="2386573"/>
+            <a:ext cx="3455094" cy="4351337"/>
           </a:xfrm>
         </p:spPr>
         <p:txBody>
@@ -5107,80 +5685,255 @@
           <a:lstStyle/>
           <a:p>
             <a:r>
-              <a:rPr lang="hu-HU" sz="3200" dirty="0">
+              <a:rPr lang="hu-HU" sz="3400" dirty="0" smtClean="0">
                 <a:latin typeface="Times New Roman" panose="02020603050405020304" pitchFamily="18" charset="0"/>
                 <a:cs typeface="Times New Roman" panose="02020603050405020304" pitchFamily="18" charset="0"/>
               </a:rPr>
-              <a:t>5db </a:t>
-            </a:r>
-            <a:r>
-              <a:rPr lang="hu-HU" sz="3200" dirty="0" err="1">
+              <a:t>45 </a:t>
+            </a:r>
+            <a:r>
+              <a:rPr lang="hu-HU" sz="3400" dirty="0" err="1" smtClean="0">
                 <a:latin typeface="Times New Roman" panose="02020603050405020304" pitchFamily="18" charset="0"/>
                 <a:cs typeface="Times New Roman" panose="02020603050405020304" pitchFamily="18" charset="0"/>
               </a:rPr>
-              <a:t>Vlan</a:t>
-            </a:r>
-            <a:endParaRPr lang="hu-HU" sz="3200" dirty="0">
+              <a:t>commit</a:t>
+            </a:r>
+            <a:endParaRPr lang="hu-HU" sz="3400" dirty="0" smtClean="0">
               <a:latin typeface="Times New Roman" panose="02020603050405020304" pitchFamily="18" charset="0"/>
               <a:cs typeface="Times New Roman" panose="02020603050405020304" pitchFamily="18" charset="0"/>
             </a:endParaRPr>
           </a:p>
           <a:p>
-            <a:pPr lvl="1"/>
-            <a:r>
-              <a:rPr lang="hu-HU" sz="3000" dirty="0">
+            <a:r>
+              <a:rPr lang="hu-HU" sz="3400" dirty="0" smtClean="0">
                 <a:latin typeface="Times New Roman" panose="02020603050405020304" pitchFamily="18" charset="0"/>
                 <a:cs typeface="Times New Roman" panose="02020603050405020304" pitchFamily="18" charset="0"/>
               </a:rPr>
-              <a:t>Porta</a:t>
-            </a:r>
-          </a:p>
-          <a:p>
-            <a:pPr lvl="1"/>
-            <a:r>
-              <a:rPr lang="hu-HU" sz="3000" dirty="0">
+              <a:t>Elosztott munka</a:t>
+            </a:r>
+          </a:p>
+          <a:p>
+            <a:r>
+              <a:rPr lang="hu-HU" sz="3400" dirty="0" smtClean="0">
                 <a:latin typeface="Times New Roman" panose="02020603050405020304" pitchFamily="18" charset="0"/>
                 <a:cs typeface="Times New Roman" panose="02020603050405020304" pitchFamily="18" charset="0"/>
               </a:rPr>
-              <a:t>Management</a:t>
-            </a:r>
-          </a:p>
-          <a:p>
-            <a:pPr lvl="1"/>
-            <a:r>
-              <a:rPr lang="hu-HU" sz="3000" dirty="0">
+              <a:t>Feladathoz tartozó </a:t>
+            </a:r>
+            <a:r>
+              <a:rPr lang="hu-HU" sz="3400" dirty="0" err="1" smtClean="0">
                 <a:latin typeface="Times New Roman" panose="02020603050405020304" pitchFamily="18" charset="0"/>
                 <a:cs typeface="Times New Roman" panose="02020603050405020304" pitchFamily="18" charset="0"/>
               </a:rPr>
-              <a:t>Raktár</a:t>
-            </a:r>
-          </a:p>
-          <a:p>
-            <a:pPr lvl="1"/>
-            <a:r>
-              <a:rPr lang="hu-HU" sz="3000" dirty="0">
+              <a:t>commit</a:t>
+            </a:r>
+            <a:r>
+              <a:rPr lang="hu-HU" sz="3400" dirty="0" smtClean="0">
                 <a:latin typeface="Times New Roman" panose="02020603050405020304" pitchFamily="18" charset="0"/>
                 <a:cs typeface="Times New Roman" panose="02020603050405020304" pitchFamily="18" charset="0"/>
               </a:rPr>
-              <a:t>Iroda(titkárság)</a:t>
-            </a:r>
-          </a:p>
-          <a:p>
-            <a:pPr lvl="1"/>
-            <a:r>
-              <a:rPr lang="hu-HU" sz="3000" dirty="0">
+              <a:t> név</a:t>
+            </a:r>
+          </a:p>
+          <a:p>
+            <a:endParaRPr lang="hu-HU" sz="3400" dirty="0" smtClean="0">
+              <a:latin typeface="Times New Roman" panose="02020603050405020304" pitchFamily="18" charset="0"/>
+              <a:cs typeface="Times New Roman" panose="02020603050405020304" pitchFamily="18" charset="0"/>
+            </a:endParaRPr>
+          </a:p>
+          <a:p>
+            <a:endParaRPr lang="hu-HU" sz="3400" dirty="0">
+              <a:latin typeface="Times New Roman" panose="02020603050405020304" pitchFamily="18" charset="0"/>
+              <a:cs typeface="Times New Roman" panose="02020603050405020304" pitchFamily="18" charset="0"/>
+            </a:endParaRPr>
+          </a:p>
+        </p:txBody>
+      </p:sp>
+      <p:pic>
+        <p:nvPicPr>
+          <p:cNvPr id="6" name="Kép 5"/>
+          <p:cNvPicPr>
+            <a:picLocks noChangeAspect="1"/>
+          </p:cNvPicPr>
+          <p:nvPr/>
+        </p:nvPicPr>
+        <p:blipFill>
+          <a:blip r:embed="rId2"/>
+          <a:stretch>
+            <a:fillRect/>
+          </a:stretch>
+        </p:blipFill>
+        <p:spPr>
+          <a:xfrm>
+            <a:off x="3730528" y="1429986"/>
+            <a:ext cx="7320331" cy="4298748"/>
+          </a:xfrm>
+          <a:prstGeom prst="rect">
+            <a:avLst/>
+          </a:prstGeom>
+        </p:spPr>
+      </p:pic>
+    </p:spTree>
+    <p:extLst>
+      <p:ext uri="{BB962C8B-B14F-4D97-AF65-F5344CB8AC3E}">
+        <p14:creationId xmlns:p14="http://schemas.microsoft.com/office/powerpoint/2010/main" val="4057909776"/>
+      </p:ext>
+    </p:extLst>
+  </p:cSld>
+  <p:clrMapOvr>
+    <a:masterClrMapping/>
+  </p:clrMapOvr>
+</p:sld>
+</file>
+
+<file path=ppt/slides/slide9.xml><?xml version="1.0" encoding="utf-8"?>
+<p:sld xmlns:a="http://schemas.openxmlformats.org/drawingml/2006/main" xmlns:r="http://schemas.openxmlformats.org/officeDocument/2006/relationships" xmlns:p="http://schemas.openxmlformats.org/presentationml/2006/main">
+  <p:cSld>
+    <p:spTree>
+      <p:nvGrpSpPr>
+        <p:cNvPr id="1" name=""/>
+        <p:cNvGrpSpPr/>
+        <p:nvPr/>
+      </p:nvGrpSpPr>
+      <p:grpSpPr>
+        <a:xfrm>
+          <a:off x="0" y="0"/>
+          <a:ext cx="0" cy="0"/>
+          <a:chOff x="0" y="0"/>
+          <a:chExt cx="0" cy="0"/>
+        </a:xfrm>
+      </p:grpSpPr>
+      <p:sp>
+        <p:nvSpPr>
+          <p:cNvPr id="2" name="Cím 1"/>
+          <p:cNvSpPr>
+            <a:spLocks noGrp="1"/>
+          </p:cNvSpPr>
+          <p:nvPr>
+            <p:ph type="title"/>
+          </p:nvPr>
+        </p:nvSpPr>
+        <p:spPr>
+          <a:xfrm>
+            <a:off x="0" y="0"/>
+            <a:ext cx="2027738" cy="799225"/>
+          </a:xfrm>
+        </p:spPr>
+        <p:txBody>
+          <a:bodyPr/>
+          <a:lstStyle/>
+          <a:p>
+            <a:r>
+              <a:rPr lang="hu-HU" b="1" dirty="0" err="1" smtClean="0">
                 <a:latin typeface="Times New Roman" panose="02020603050405020304" pitchFamily="18" charset="0"/>
                 <a:cs typeface="Times New Roman" panose="02020603050405020304" pitchFamily="18" charset="0"/>
               </a:rPr>
-              <a:t>Igazgatóság</a:t>
-            </a:r>
-          </a:p>
-        </p:txBody>
-      </p:sp>
+              <a:t>Github</a:t>
+            </a:r>
+            <a:endParaRPr lang="hu-HU" b="1" dirty="0">
+              <a:latin typeface="Times New Roman" panose="02020603050405020304" pitchFamily="18" charset="0"/>
+              <a:cs typeface="Times New Roman" panose="02020603050405020304" pitchFamily="18" charset="0"/>
+            </a:endParaRPr>
+          </a:p>
+        </p:txBody>
+      </p:sp>
+      <p:sp>
+        <p:nvSpPr>
+          <p:cNvPr id="3" name="Tartalom helye 2"/>
+          <p:cNvSpPr>
+            <a:spLocks noGrp="1"/>
+          </p:cNvSpPr>
+          <p:nvPr>
+            <p:ph idx="1"/>
+          </p:nvPr>
+        </p:nvSpPr>
+        <p:spPr>
+          <a:xfrm>
+            <a:off x="-87426" y="914400"/>
+            <a:ext cx="8595360" cy="4351337"/>
+          </a:xfrm>
+        </p:spPr>
+        <p:txBody>
+          <a:bodyPr>
+            <a:normAutofit/>
+          </a:bodyPr>
+          <a:lstStyle/>
+          <a:p>
+            <a:r>
+              <a:rPr lang="hu-HU" sz="3400" dirty="0" smtClean="0">
+                <a:latin typeface="Times New Roman" panose="02020603050405020304" pitchFamily="18" charset="0"/>
+                <a:cs typeface="Times New Roman" panose="02020603050405020304" pitchFamily="18" charset="0"/>
+              </a:rPr>
+              <a:t>Fenséges README.md</a:t>
+            </a:r>
+          </a:p>
+          <a:p>
+            <a:r>
+              <a:rPr lang="hu-HU" sz="3400" dirty="0" smtClean="0">
+                <a:latin typeface="Times New Roman" panose="02020603050405020304" pitchFamily="18" charset="0"/>
+                <a:cs typeface="Times New Roman" panose="02020603050405020304" pitchFamily="18" charset="0"/>
+              </a:rPr>
+              <a:t>Napokra osztott dokumentáció</a:t>
+            </a:r>
+            <a:endParaRPr lang="hu-HU" sz="3400" dirty="0">
+              <a:latin typeface="Times New Roman" panose="02020603050405020304" pitchFamily="18" charset="0"/>
+              <a:cs typeface="Times New Roman" panose="02020603050405020304" pitchFamily="18" charset="0"/>
+            </a:endParaRPr>
+          </a:p>
+        </p:txBody>
+      </p:sp>
+      <p:pic>
+        <p:nvPicPr>
+          <p:cNvPr id="5" name="Kép 4"/>
+          <p:cNvPicPr>
+            <a:picLocks noChangeAspect="1"/>
+          </p:cNvPicPr>
+          <p:nvPr/>
+        </p:nvPicPr>
+        <p:blipFill>
+          <a:blip r:embed="rId2"/>
+          <a:stretch>
+            <a:fillRect/>
+          </a:stretch>
+        </p:blipFill>
+        <p:spPr>
+          <a:xfrm>
+            <a:off x="5623256" y="81032"/>
+            <a:ext cx="5588267" cy="4234489"/>
+          </a:xfrm>
+          <a:prstGeom prst="rect">
+            <a:avLst/>
+          </a:prstGeom>
+        </p:spPr>
+      </p:pic>
+      <p:pic>
+        <p:nvPicPr>
+          <p:cNvPr id="6" name="Kép 5"/>
+          <p:cNvPicPr>
+            <a:picLocks noChangeAspect="1"/>
+          </p:cNvPicPr>
+          <p:nvPr/>
+        </p:nvPicPr>
+        <p:blipFill>
+          <a:blip r:embed="rId3"/>
+          <a:stretch>
+            <a:fillRect/>
+          </a:stretch>
+        </p:blipFill>
+        <p:spPr>
+          <a:xfrm>
+            <a:off x="84556" y="2765502"/>
+            <a:ext cx="5366719" cy="4092498"/>
+          </a:xfrm>
+          <a:prstGeom prst="rect">
+            <a:avLst/>
+          </a:prstGeom>
+        </p:spPr>
+      </p:pic>
     </p:spTree>
     <p:extLst>
       <p:ext uri="{BB962C8B-B14F-4D97-AF65-F5344CB8AC3E}">
-        <p14:creationId xmlns:p14="http://schemas.microsoft.com/office/powerpoint/2010/main" val="3051492043"/>
+        <p14:creationId xmlns:p14="http://schemas.microsoft.com/office/powerpoint/2010/main" val="3044061765"/>
       </p:ext>
     </p:extLst>
   </p:cSld>

--- a/Projekt.pptx
+++ b/Projekt.pptx
@@ -13,10 +13,11 @@
     <p:sldId id="259" r:id="rId7"/>
     <p:sldId id="263" r:id="rId8"/>
     <p:sldId id="267" r:id="rId9"/>
-    <p:sldId id="268" r:id="rId10"/>
-    <p:sldId id="264" r:id="rId11"/>
-    <p:sldId id="265" r:id="rId12"/>
-    <p:sldId id="266" r:id="rId13"/>
+    <p:sldId id="269" r:id="rId10"/>
+    <p:sldId id="268" r:id="rId11"/>
+    <p:sldId id="264" r:id="rId12"/>
+    <p:sldId id="265" r:id="rId13"/>
+    <p:sldId id="266" r:id="rId14"/>
   </p:sldIdLst>
   <p:sldSz cx="12192000" cy="6858000"/>
   <p:notesSz cx="6858000" cy="9144000"/>
@@ -291,7 +292,7 @@
           <a:p>
             <a:fld id="{317F292F-06F0-410F-8036-6E8B9B0B08EB}" type="datetimeFigureOut">
               <a:rPr lang="hu-HU" smtClean="0"/>
-              <a:t>2023.02.01.</a:t>
+              <a:t>2023. 02. 02.</a:t>
             </a:fld>
             <a:endParaRPr lang="hu-HU"/>
           </a:p>
@@ -519,7 +520,7 @@
           <a:p>
             <a:fld id="{317F292F-06F0-410F-8036-6E8B9B0B08EB}" type="datetimeFigureOut">
               <a:rPr lang="hu-HU" smtClean="0"/>
-              <a:t>2023.02.01.</a:t>
+              <a:t>2023. 02. 02.</a:t>
             </a:fld>
             <a:endParaRPr lang="hu-HU"/>
           </a:p>
@@ -699,7 +700,7 @@
           <a:p>
             <a:fld id="{317F292F-06F0-410F-8036-6E8B9B0B08EB}" type="datetimeFigureOut">
               <a:rPr lang="hu-HU" smtClean="0"/>
-              <a:t>2023.02.01.</a:t>
+              <a:t>2023. 02. 02.</a:t>
             </a:fld>
             <a:endParaRPr lang="hu-HU"/>
           </a:p>
@@ -869,7 +870,7 @@
           <a:p>
             <a:fld id="{317F292F-06F0-410F-8036-6E8B9B0B08EB}" type="datetimeFigureOut">
               <a:rPr lang="hu-HU" smtClean="0"/>
-              <a:t>2023.02.01.</a:t>
+              <a:t>2023. 02. 02.</a:t>
             </a:fld>
             <a:endParaRPr lang="hu-HU"/>
           </a:p>
@@ -1123,7 +1124,7 @@
           <a:p>
             <a:fld id="{317F292F-06F0-410F-8036-6E8B9B0B08EB}" type="datetimeFigureOut">
               <a:rPr lang="hu-HU" smtClean="0"/>
-              <a:t>2023.02.01.</a:t>
+              <a:t>2023. 02. 02.</a:t>
             </a:fld>
             <a:endParaRPr lang="hu-HU"/>
           </a:p>
@@ -1449,7 +1450,7 @@
           <a:p>
             <a:fld id="{317F292F-06F0-410F-8036-6E8B9B0B08EB}" type="datetimeFigureOut">
               <a:rPr lang="hu-HU" smtClean="0"/>
-              <a:t>2023.02.01.</a:t>
+              <a:t>2023. 02. 02.</a:t>
             </a:fld>
             <a:endParaRPr lang="hu-HU"/>
           </a:p>
@@ -1900,7 +1901,7 @@
           <a:p>
             <a:fld id="{317F292F-06F0-410F-8036-6E8B9B0B08EB}" type="datetimeFigureOut">
               <a:rPr lang="hu-HU" smtClean="0"/>
-              <a:t>2023.02.01.</a:t>
+              <a:t>2023. 02. 02.</a:t>
             </a:fld>
             <a:endParaRPr lang="hu-HU"/>
           </a:p>
@@ -2018,7 +2019,7 @@
           <a:p>
             <a:fld id="{317F292F-06F0-410F-8036-6E8B9B0B08EB}" type="datetimeFigureOut">
               <a:rPr lang="hu-HU" smtClean="0"/>
-              <a:t>2023.02.01.</a:t>
+              <a:t>2023. 02. 02.</a:t>
             </a:fld>
             <a:endParaRPr lang="hu-HU"/>
           </a:p>
@@ -2113,7 +2114,7 @@
           <a:p>
             <a:fld id="{317F292F-06F0-410F-8036-6E8B9B0B08EB}" type="datetimeFigureOut">
               <a:rPr lang="hu-HU" smtClean="0"/>
-              <a:t>2023.02.01.</a:t>
+              <a:t>2023. 02. 02.</a:t>
             </a:fld>
             <a:endParaRPr lang="hu-HU"/>
           </a:p>
@@ -2400,7 +2401,7 @@
           <a:p>
             <a:fld id="{317F292F-06F0-410F-8036-6E8B9B0B08EB}" type="datetimeFigureOut">
               <a:rPr lang="hu-HU" smtClean="0"/>
-              <a:t>2023.02.01.</a:t>
+              <a:t>2023. 02. 02.</a:t>
             </a:fld>
             <a:endParaRPr lang="hu-HU"/>
           </a:p>
@@ -2722,7 +2723,7 @@
           <a:p>
             <a:fld id="{317F292F-06F0-410F-8036-6E8B9B0B08EB}" type="datetimeFigureOut">
               <a:rPr lang="hu-HU" smtClean="0"/>
-              <a:t>2023.02.01.</a:t>
+              <a:t>2023. 02. 02.</a:t>
             </a:fld>
             <a:endParaRPr lang="hu-HU"/>
           </a:p>
@@ -2976,7 +2977,7 @@
           <a:p>
             <a:fld id="{317F292F-06F0-410F-8036-6E8B9B0B08EB}" type="datetimeFigureOut">
               <a:rPr lang="hu-HU" smtClean="0"/>
-              <a:t>2023.02.01.</a:t>
+              <a:t>2023. 02. 02.</a:t>
             </a:fld>
             <a:endParaRPr lang="hu-HU"/>
           </a:p>
@@ -3607,27 +3608,21 @@
         <p:spPr>
           <a:xfrm>
             <a:off x="0" y="0"/>
-            <a:ext cx="4170556" cy="618890"/>
-          </a:xfrm>
-        </p:spPr>
-        <p:txBody>
-          <a:bodyPr>
-            <a:noAutofit/>
-          </a:bodyPr>
-          <a:lstStyle/>
-          <a:p>
-            <a:r>
-              <a:rPr lang="hu-HU" sz="4400" b="1" dirty="0" smtClean="0"/>
-              <a:t>Juhász </a:t>
-            </a:r>
-            <a:r>
-              <a:rPr lang="hu-HU" sz="4400" b="1" dirty="0" smtClean="0">
+            <a:ext cx="2027738" cy="799225"/>
+          </a:xfrm>
+        </p:spPr>
+        <p:txBody>
+          <a:bodyPr/>
+          <a:lstStyle/>
+          <a:p>
+            <a:r>
+              <a:rPr lang="hu-HU" b="1" dirty="0" err="1">
                 <a:latin typeface="Times New Roman" panose="02020603050405020304" pitchFamily="18" charset="0"/>
                 <a:cs typeface="Times New Roman" panose="02020603050405020304" pitchFamily="18" charset="0"/>
               </a:rPr>
-              <a:t>Gábor</a:t>
-            </a:r>
-            <a:endParaRPr lang="hu-HU" sz="4400" b="1" dirty="0">
+              <a:t>Github</a:t>
+            </a:r>
+            <a:endParaRPr lang="hu-HU" b="1" dirty="0">
               <a:latin typeface="Times New Roman" panose="02020603050405020304" pitchFamily="18" charset="0"/>
               <a:cs typeface="Times New Roman" panose="02020603050405020304" pitchFamily="18" charset="0"/>
             </a:endParaRPr>
@@ -3646,8 +3641,8 @@
         </p:nvSpPr>
         <p:spPr>
           <a:xfrm>
-            <a:off x="434898" y="2185639"/>
-            <a:ext cx="9457060" cy="3250578"/>
+            <a:off x="-87426" y="914400"/>
+            <a:ext cx="8595360" cy="4351337"/>
           </a:xfrm>
         </p:spPr>
         <p:txBody>
@@ -3657,33 +3652,21 @@
           <a:lstStyle/>
           <a:p>
             <a:r>
-              <a:rPr lang="hu-HU" sz="3200" dirty="0" smtClean="0">
+              <a:rPr lang="hu-HU" sz="3400" dirty="0">
                 <a:latin typeface="Times New Roman" panose="02020603050405020304" pitchFamily="18" charset="0"/>
                 <a:cs typeface="Times New Roman" panose="02020603050405020304" pitchFamily="18" charset="0"/>
               </a:rPr>
-              <a:t>PPT</a:t>
-            </a:r>
-          </a:p>
-          <a:p>
-            <a:r>
-              <a:rPr lang="hu-HU" sz="3200" dirty="0" smtClean="0">
+              <a:t>Fenséges README.md</a:t>
+            </a:r>
+          </a:p>
+          <a:p>
+            <a:r>
+              <a:rPr lang="hu-HU" sz="3400" dirty="0">
                 <a:latin typeface="Times New Roman" panose="02020603050405020304" pitchFamily="18" charset="0"/>
                 <a:cs typeface="Times New Roman" panose="02020603050405020304" pitchFamily="18" charset="0"/>
               </a:rPr>
-              <a:t>README.md</a:t>
-            </a:r>
-          </a:p>
-          <a:p>
-            <a:endParaRPr lang="hu-HU" sz="3200" dirty="0" smtClean="0">
-              <a:latin typeface="Times New Roman" panose="02020603050405020304" pitchFamily="18" charset="0"/>
-              <a:cs typeface="Times New Roman" panose="02020603050405020304" pitchFamily="18" charset="0"/>
-            </a:endParaRPr>
-          </a:p>
-          <a:p>
-            <a:endParaRPr lang="hu-HU" sz="3200" dirty="0">
-              <a:latin typeface="Times New Roman" panose="02020603050405020304" pitchFamily="18" charset="0"/>
-              <a:cs typeface="Times New Roman" panose="02020603050405020304" pitchFamily="18" charset="0"/>
-            </a:endParaRPr>
+              <a:t>Napokra osztott dokumentáció</a:t>
+            </a:r>
           </a:p>
         </p:txBody>
       </p:sp>
@@ -3696,21 +3679,39 @@
           <p:nvPr/>
         </p:nvPicPr>
         <p:blipFill>
-          <a:blip r:embed="rId2" cstate="hqprint">
-            <a:extLst>
-              <a:ext uri="{28A0092B-C50C-407E-A947-70E740481C1C}">
-                <a14:useLocalDpi xmlns:a14="http://schemas.microsoft.com/office/drawing/2010/main" val="0"/>
-              </a:ext>
-            </a:extLst>
-          </a:blip>
+          <a:blip r:embed="rId2"/>
           <a:stretch>
             <a:fillRect/>
           </a:stretch>
         </p:blipFill>
         <p:spPr>
           <a:xfrm>
-            <a:off x="6322740" y="618890"/>
-            <a:ext cx="4028843" cy="5371791"/>
+            <a:off x="5623256" y="81032"/>
+            <a:ext cx="5588267" cy="4234489"/>
+          </a:xfrm>
+          <a:prstGeom prst="rect">
+            <a:avLst/>
+          </a:prstGeom>
+        </p:spPr>
+      </p:pic>
+      <p:pic>
+        <p:nvPicPr>
+          <p:cNvPr id="6" name="Kép 5"/>
+          <p:cNvPicPr>
+            <a:picLocks noChangeAspect="1"/>
+          </p:cNvPicPr>
+          <p:nvPr/>
+        </p:nvPicPr>
+        <p:blipFill>
+          <a:blip r:embed="rId3"/>
+          <a:stretch>
+            <a:fillRect/>
+          </a:stretch>
+        </p:blipFill>
+        <p:spPr>
+          <a:xfrm>
+            <a:off x="0" y="2743966"/>
+            <a:ext cx="5394960" cy="4114034"/>
           </a:xfrm>
           <a:prstGeom prst="rect">
             <a:avLst/>
@@ -3720,7 +3721,7 @@
     </p:spTree>
     <p:extLst>
       <p:ext uri="{BB962C8B-B14F-4D97-AF65-F5344CB8AC3E}">
-        <p14:creationId xmlns:p14="http://schemas.microsoft.com/office/powerpoint/2010/main" val="1461667888"/>
+        <p14:creationId xmlns:p14="http://schemas.microsoft.com/office/powerpoint/2010/main" val="3044061765"/>
       </p:ext>
     </p:extLst>
   </p:cSld>
@@ -3770,58 +3771,66 @@
           <a:lstStyle/>
           <a:p>
             <a:r>
-              <a:rPr lang="hu-HU" sz="4400" b="1" dirty="0" smtClean="0">
+              <a:rPr lang="hu-HU" sz="4400" b="1" dirty="0"/>
+              <a:t>Juhász </a:t>
+            </a:r>
+            <a:r>
+              <a:rPr lang="hu-HU" sz="4400" b="1" dirty="0">
                 <a:latin typeface="Times New Roman" panose="02020603050405020304" pitchFamily="18" charset="0"/>
                 <a:cs typeface="Times New Roman" panose="02020603050405020304" pitchFamily="18" charset="0"/>
               </a:rPr>
-              <a:t>Oroszlán Mihály</a:t>
-            </a:r>
-            <a:endParaRPr lang="hu-HU" sz="4400" b="1" dirty="0">
+              <a:t>Gábor</a:t>
+            </a:r>
+          </a:p>
+        </p:txBody>
+      </p:sp>
+      <p:sp>
+        <p:nvSpPr>
+          <p:cNvPr id="3" name="Tartalom helye 2"/>
+          <p:cNvSpPr>
+            <a:spLocks noGrp="1"/>
+          </p:cNvSpPr>
+          <p:nvPr>
+            <p:ph idx="1"/>
+          </p:nvPr>
+        </p:nvSpPr>
+        <p:spPr>
+          <a:xfrm>
+            <a:off x="434898" y="2185639"/>
+            <a:ext cx="9457060" cy="3250578"/>
+          </a:xfrm>
+        </p:spPr>
+        <p:txBody>
+          <a:bodyPr>
+            <a:normAutofit/>
+          </a:bodyPr>
+          <a:lstStyle/>
+          <a:p>
+            <a:r>
+              <a:rPr lang="hu-HU" sz="3200" dirty="0">
+                <a:latin typeface="Times New Roman" panose="02020603050405020304" pitchFamily="18" charset="0"/>
+                <a:cs typeface="Times New Roman" panose="02020603050405020304" pitchFamily="18" charset="0"/>
+              </a:rPr>
+              <a:t>PPT</a:t>
+            </a:r>
+          </a:p>
+          <a:p>
+            <a:r>
+              <a:rPr lang="hu-HU" sz="3200" dirty="0">
+                <a:latin typeface="Times New Roman" panose="02020603050405020304" pitchFamily="18" charset="0"/>
+                <a:cs typeface="Times New Roman" panose="02020603050405020304" pitchFamily="18" charset="0"/>
+              </a:rPr>
+              <a:t>README.md</a:t>
+            </a:r>
+          </a:p>
+          <a:p>
+            <a:endParaRPr lang="hu-HU" sz="3200" dirty="0">
               <a:latin typeface="Times New Roman" panose="02020603050405020304" pitchFamily="18" charset="0"/>
               <a:cs typeface="Times New Roman" panose="02020603050405020304" pitchFamily="18" charset="0"/>
             </a:endParaRPr>
           </a:p>
-        </p:txBody>
-      </p:sp>
-      <p:sp>
-        <p:nvSpPr>
-          <p:cNvPr id="3" name="Tartalom helye 2"/>
-          <p:cNvSpPr>
-            <a:spLocks noGrp="1"/>
-          </p:cNvSpPr>
-          <p:nvPr>
-            <p:ph idx="1"/>
-          </p:nvPr>
-        </p:nvSpPr>
-        <p:spPr>
-          <a:xfrm>
-            <a:off x="434898" y="2185639"/>
-            <a:ext cx="9457060" cy="3250578"/>
-          </a:xfrm>
-        </p:spPr>
-        <p:txBody>
-          <a:bodyPr>
-            <a:normAutofit/>
-          </a:bodyPr>
-          <a:lstStyle/>
-          <a:p>
-            <a:r>
-              <a:rPr lang="hu-HU" sz="3200" dirty="0" smtClean="0">
-                <a:latin typeface="Times New Roman" panose="02020603050405020304" pitchFamily="18" charset="0"/>
-                <a:cs typeface="Times New Roman" panose="02020603050405020304" pitchFamily="18" charset="0"/>
-              </a:rPr>
-              <a:t>Topológia</a:t>
-            </a:r>
-          </a:p>
-          <a:p>
-            <a:r>
-              <a:rPr lang="hu-HU" sz="3200" dirty="0" err="1" smtClean="0">
-                <a:latin typeface="Times New Roman" panose="02020603050405020304" pitchFamily="18" charset="0"/>
-                <a:cs typeface="Times New Roman" panose="02020603050405020304" pitchFamily="18" charset="0"/>
-              </a:rPr>
-              <a:t>Router,Switch</a:t>
-            </a:r>
-            <a:endParaRPr lang="hu-HU" sz="3200" dirty="0" smtClean="0">
+          <a:p>
+            <a:endParaRPr lang="hu-HU" sz="3200" dirty="0">
               <a:latin typeface="Times New Roman" panose="02020603050405020304" pitchFamily="18" charset="0"/>
               <a:cs typeface="Times New Roman" panose="02020603050405020304" pitchFamily="18" charset="0"/>
             </a:endParaRPr>
@@ -3830,14 +3839,14 @@
       </p:sp>
       <p:pic>
         <p:nvPicPr>
-          <p:cNvPr id="4" name="Kép 3"/>
+          <p:cNvPr id="5" name="Kép 4"/>
           <p:cNvPicPr>
             <a:picLocks noChangeAspect="1"/>
           </p:cNvPicPr>
           <p:nvPr/>
         </p:nvPicPr>
         <p:blipFill>
-          <a:blip r:embed="rId2">
+          <a:blip r:embed="rId2" cstate="hqprint">
             <a:extLst>
               <a:ext uri="{28A0092B-C50C-407E-A947-70E740481C1C}">
                 <a14:useLocalDpi xmlns:a14="http://schemas.microsoft.com/office/drawing/2010/main" val="0"/>
@@ -3850,8 +3859,8 @@
         </p:blipFill>
         <p:spPr>
           <a:xfrm>
-            <a:off x="6242257" y="896123"/>
-            <a:ext cx="3649701" cy="4866268"/>
+            <a:off x="6322740" y="618890"/>
+            <a:ext cx="4028843" cy="5371791"/>
           </a:xfrm>
           <a:prstGeom prst="rect">
             <a:avLst/>
@@ -3861,7 +3870,7 @@
     </p:spTree>
     <p:extLst>
       <p:ext uri="{BB962C8B-B14F-4D97-AF65-F5344CB8AC3E}">
-        <p14:creationId xmlns:p14="http://schemas.microsoft.com/office/powerpoint/2010/main" val="2850423397"/>
+        <p14:creationId xmlns:p14="http://schemas.microsoft.com/office/powerpoint/2010/main" val="1461667888"/>
       </p:ext>
     </p:extLst>
   </p:cSld>
@@ -3901,7 +3910,7 @@
         <p:spPr>
           <a:xfrm>
             <a:off x="0" y="0"/>
-            <a:ext cx="4594302" cy="618890"/>
+            <a:ext cx="4170556" cy="618890"/>
           </a:xfrm>
         </p:spPr>
         <p:txBody>
@@ -3911,23 +3920,156 @@
           <a:lstStyle/>
           <a:p>
             <a:r>
-              <a:rPr lang="hu-HU" sz="4400" b="1" dirty="0" err="1" smtClean="0">
+              <a:rPr lang="hu-HU" sz="4400" b="1" dirty="0">
+                <a:latin typeface="Times New Roman" panose="02020603050405020304" pitchFamily="18" charset="0"/>
+                <a:cs typeface="Times New Roman" panose="02020603050405020304" pitchFamily="18" charset="0"/>
+              </a:rPr>
+              <a:t>Oroszlán Mihály</a:t>
+            </a:r>
+          </a:p>
+        </p:txBody>
+      </p:sp>
+      <p:sp>
+        <p:nvSpPr>
+          <p:cNvPr id="3" name="Tartalom helye 2"/>
+          <p:cNvSpPr>
+            <a:spLocks noGrp="1"/>
+          </p:cNvSpPr>
+          <p:nvPr>
+            <p:ph idx="1"/>
+          </p:nvPr>
+        </p:nvSpPr>
+        <p:spPr>
+          <a:xfrm>
+            <a:off x="434898" y="2185639"/>
+            <a:ext cx="9457060" cy="3250578"/>
+          </a:xfrm>
+        </p:spPr>
+        <p:txBody>
+          <a:bodyPr>
+            <a:normAutofit/>
+          </a:bodyPr>
+          <a:lstStyle/>
+          <a:p>
+            <a:r>
+              <a:rPr lang="hu-HU" sz="3200" dirty="0">
+                <a:latin typeface="Times New Roman" panose="02020603050405020304" pitchFamily="18" charset="0"/>
+                <a:cs typeface="Times New Roman" panose="02020603050405020304" pitchFamily="18" charset="0"/>
+              </a:rPr>
+              <a:t>Topológia</a:t>
+            </a:r>
+          </a:p>
+          <a:p>
+            <a:r>
+              <a:rPr lang="hu-HU" sz="3200" dirty="0" err="1">
+                <a:latin typeface="Times New Roman" panose="02020603050405020304" pitchFamily="18" charset="0"/>
+                <a:cs typeface="Times New Roman" panose="02020603050405020304" pitchFamily="18" charset="0"/>
+              </a:rPr>
+              <a:t>Router,Switch</a:t>
+            </a:r>
+            <a:endParaRPr lang="hu-HU" sz="3200" dirty="0">
+              <a:latin typeface="Times New Roman" panose="02020603050405020304" pitchFamily="18" charset="0"/>
+              <a:cs typeface="Times New Roman" panose="02020603050405020304" pitchFamily="18" charset="0"/>
+            </a:endParaRPr>
+          </a:p>
+        </p:txBody>
+      </p:sp>
+      <p:pic>
+        <p:nvPicPr>
+          <p:cNvPr id="4" name="Kép 3"/>
+          <p:cNvPicPr>
+            <a:picLocks noChangeAspect="1"/>
+          </p:cNvPicPr>
+          <p:nvPr/>
+        </p:nvPicPr>
+        <p:blipFill>
+          <a:blip r:embed="rId2">
+            <a:extLst>
+              <a:ext uri="{28A0092B-C50C-407E-A947-70E740481C1C}">
+                <a14:useLocalDpi xmlns:a14="http://schemas.microsoft.com/office/drawing/2010/main" val="0"/>
+              </a:ext>
+            </a:extLst>
+          </a:blip>
+          <a:stretch>
+            <a:fillRect/>
+          </a:stretch>
+        </p:blipFill>
+        <p:spPr>
+          <a:xfrm>
+            <a:off x="6242257" y="896123"/>
+            <a:ext cx="3649701" cy="4866268"/>
+          </a:xfrm>
+          <a:prstGeom prst="rect">
+            <a:avLst/>
+          </a:prstGeom>
+        </p:spPr>
+      </p:pic>
+    </p:spTree>
+    <p:extLst>
+      <p:ext uri="{BB962C8B-B14F-4D97-AF65-F5344CB8AC3E}">
+        <p14:creationId xmlns:p14="http://schemas.microsoft.com/office/powerpoint/2010/main" val="2850423397"/>
+      </p:ext>
+    </p:extLst>
+  </p:cSld>
+  <p:clrMapOvr>
+    <a:masterClrMapping/>
+  </p:clrMapOvr>
+</p:sld>
+</file>
+
+<file path=ppt/slides/slide13.xml><?xml version="1.0" encoding="utf-8"?>
+<p:sld xmlns:a="http://schemas.openxmlformats.org/drawingml/2006/main" xmlns:r="http://schemas.openxmlformats.org/officeDocument/2006/relationships" xmlns:p="http://schemas.openxmlformats.org/presentationml/2006/main">
+  <p:cSld>
+    <p:spTree>
+      <p:nvGrpSpPr>
+        <p:cNvPr id="1" name=""/>
+        <p:cNvGrpSpPr/>
+        <p:nvPr/>
+      </p:nvGrpSpPr>
+      <p:grpSpPr>
+        <a:xfrm>
+          <a:off x="0" y="0"/>
+          <a:ext cx="0" cy="0"/>
+          <a:chOff x="0" y="0"/>
+          <a:chExt cx="0" cy="0"/>
+        </a:xfrm>
+      </p:grpSpPr>
+      <p:sp>
+        <p:nvSpPr>
+          <p:cNvPr id="2" name="Cím 1"/>
+          <p:cNvSpPr>
+            <a:spLocks noGrp="1"/>
+          </p:cNvSpPr>
+          <p:nvPr>
+            <p:ph type="title"/>
+          </p:nvPr>
+        </p:nvSpPr>
+        <p:spPr>
+          <a:xfrm>
+            <a:off x="0" y="0"/>
+            <a:ext cx="4594302" cy="618890"/>
+          </a:xfrm>
+        </p:spPr>
+        <p:txBody>
+          <a:bodyPr>
+            <a:noAutofit/>
+          </a:bodyPr>
+          <a:lstStyle/>
+          <a:p>
+            <a:r>
+              <a:rPr lang="hu-HU" sz="4400" b="1" dirty="0" err="1">
                 <a:latin typeface="Times New Roman" panose="02020603050405020304" pitchFamily="18" charset="0"/>
                 <a:cs typeface="Times New Roman" panose="02020603050405020304" pitchFamily="18" charset="0"/>
               </a:rPr>
               <a:t>Riazáncev</a:t>
             </a:r>
             <a:r>
-              <a:rPr lang="hu-HU" sz="4400" b="1" dirty="0" smtClean="0">
+              <a:rPr lang="hu-HU" sz="4400" b="1" dirty="0">
                 <a:latin typeface="Times New Roman" panose="02020603050405020304" pitchFamily="18" charset="0"/>
                 <a:cs typeface="Times New Roman" panose="02020603050405020304" pitchFamily="18" charset="0"/>
               </a:rPr>
               <a:t> Csanád</a:t>
             </a:r>
-            <a:endParaRPr lang="hu-HU" sz="4400" b="1" dirty="0">
-              <a:latin typeface="Times New Roman" panose="02020603050405020304" pitchFamily="18" charset="0"/>
-              <a:cs typeface="Times New Roman" panose="02020603050405020304" pitchFamily="18" charset="0"/>
-            </a:endParaRPr>
           </a:p>
         </p:txBody>
       </p:sp>
@@ -3954,7 +4096,7 @@
           <a:lstStyle/>
           <a:p>
             <a:r>
-              <a:rPr lang="hu-HU" sz="3200" dirty="0" smtClean="0">
+              <a:rPr lang="hu-HU" sz="3200" dirty="0">
                 <a:latin typeface="Times New Roman" panose="02020603050405020304" pitchFamily="18" charset="0"/>
                 <a:cs typeface="Times New Roman" panose="02020603050405020304" pitchFamily="18" charset="0"/>
               </a:rPr>
@@ -3963,16 +4105,12 @@
           </a:p>
           <a:p>
             <a:r>
-              <a:rPr lang="hu-HU" sz="3200" dirty="0" smtClean="0">
+              <a:rPr lang="hu-HU" sz="3200" dirty="0">
                 <a:latin typeface="Times New Roman" panose="02020603050405020304" pitchFamily="18" charset="0"/>
                 <a:cs typeface="Times New Roman" panose="02020603050405020304" pitchFamily="18" charset="0"/>
               </a:rPr>
               <a:t>DHCP</a:t>
             </a:r>
-            <a:endParaRPr lang="hu-HU" sz="3200" dirty="0">
-              <a:latin typeface="Times New Roman" panose="02020603050405020304" pitchFamily="18" charset="0"/>
-              <a:cs typeface="Times New Roman" panose="02020603050405020304" pitchFamily="18" charset="0"/>
-            </a:endParaRPr>
           </a:p>
         </p:txBody>
       </p:sp>
@@ -4866,7 +5004,7 @@
         </p:blipFill>
         <p:spPr>
           <a:xfrm>
-            <a:off x="2570941" y="1054892"/>
+            <a:off x="2566190" y="1080308"/>
             <a:ext cx="828675" cy="657225"/>
           </a:xfrm>
           <a:prstGeom prst="rect">
@@ -4895,7 +5033,7 @@
         </p:blipFill>
         <p:spPr>
           <a:xfrm>
-            <a:off x="2980528" y="2553694"/>
+            <a:off x="2870990" y="2513008"/>
             <a:ext cx="1209675" cy="523875"/>
           </a:xfrm>
           <a:prstGeom prst="rect">
@@ -5585,16 +5723,12 @@
           <a:p>
             <a:pPr algn="ctr"/>
             <a:r>
-              <a:rPr lang="hu-HU" dirty="0" smtClean="0">
+              <a:rPr lang="hu-HU" dirty="0">
                 <a:latin typeface="Times New Roman" panose="02020603050405020304" pitchFamily="18" charset="0"/>
                 <a:cs typeface="Times New Roman" panose="02020603050405020304" pitchFamily="18" charset="0"/>
               </a:rPr>
               <a:t>Csoporttagok munkája</a:t>
             </a:r>
-            <a:endParaRPr lang="hu-HU" dirty="0">
-              <a:latin typeface="Times New Roman" panose="02020603050405020304" pitchFamily="18" charset="0"/>
-              <a:cs typeface="Times New Roman" panose="02020603050405020304" pitchFamily="18" charset="0"/>
-            </a:endParaRPr>
           </a:p>
         </p:txBody>
       </p:sp>
@@ -5649,7 +5783,7 @@
           <a:lstStyle/>
           <a:p>
             <a:r>
-              <a:rPr lang="hu-HU" b="1" dirty="0" err="1" smtClean="0">
+              <a:rPr lang="hu-HU" b="1" dirty="0" err="1">
                 <a:latin typeface="Times New Roman" panose="02020603050405020304" pitchFamily="18" charset="0"/>
                 <a:cs typeface="Times New Roman" panose="02020603050405020304" pitchFamily="18" charset="0"/>
               </a:rPr>
@@ -5685,27 +5819,27 @@
           <a:lstStyle/>
           <a:p>
             <a:r>
-              <a:rPr lang="hu-HU" sz="3400" dirty="0" smtClean="0">
+              <a:rPr lang="hu-HU" sz="3400" dirty="0">
                 <a:latin typeface="Times New Roman" panose="02020603050405020304" pitchFamily="18" charset="0"/>
                 <a:cs typeface="Times New Roman" panose="02020603050405020304" pitchFamily="18" charset="0"/>
               </a:rPr>
               <a:t>45 </a:t>
             </a:r>
             <a:r>
-              <a:rPr lang="hu-HU" sz="3400" dirty="0" err="1" smtClean="0">
+              <a:rPr lang="hu-HU" sz="3400" dirty="0" err="1">
                 <a:latin typeface="Times New Roman" panose="02020603050405020304" pitchFamily="18" charset="0"/>
                 <a:cs typeface="Times New Roman" panose="02020603050405020304" pitchFamily="18" charset="0"/>
               </a:rPr>
               <a:t>commit</a:t>
             </a:r>
-            <a:endParaRPr lang="hu-HU" sz="3400" dirty="0" smtClean="0">
+            <a:endParaRPr lang="hu-HU" sz="3400" dirty="0">
               <a:latin typeface="Times New Roman" panose="02020603050405020304" pitchFamily="18" charset="0"/>
               <a:cs typeface="Times New Roman" panose="02020603050405020304" pitchFamily="18" charset="0"/>
             </a:endParaRPr>
           </a:p>
           <a:p>
             <a:r>
-              <a:rPr lang="hu-HU" sz="3400" dirty="0" smtClean="0">
+              <a:rPr lang="hu-HU" sz="3400" dirty="0">
                 <a:latin typeface="Times New Roman" panose="02020603050405020304" pitchFamily="18" charset="0"/>
                 <a:cs typeface="Times New Roman" panose="02020603050405020304" pitchFamily="18" charset="0"/>
               </a:rPr>
@@ -5714,21 +5848,21 @@
           </a:p>
           <a:p>
             <a:r>
-              <a:rPr lang="hu-HU" sz="3400" dirty="0" smtClean="0">
+              <a:rPr lang="hu-HU" sz="3400" dirty="0">
                 <a:latin typeface="Times New Roman" panose="02020603050405020304" pitchFamily="18" charset="0"/>
                 <a:cs typeface="Times New Roman" panose="02020603050405020304" pitchFamily="18" charset="0"/>
               </a:rPr>
               <a:t>Feladathoz tartozó </a:t>
             </a:r>
             <a:r>
-              <a:rPr lang="hu-HU" sz="3400" dirty="0" err="1" smtClean="0">
+              <a:rPr lang="hu-HU" sz="3400" dirty="0" err="1">
                 <a:latin typeface="Times New Roman" panose="02020603050405020304" pitchFamily="18" charset="0"/>
                 <a:cs typeface="Times New Roman" panose="02020603050405020304" pitchFamily="18" charset="0"/>
               </a:rPr>
               <a:t>commit</a:t>
             </a:r>
             <a:r>
-              <a:rPr lang="hu-HU" sz="3400" dirty="0" smtClean="0">
+              <a:rPr lang="hu-HU" sz="3400" dirty="0">
                 <a:latin typeface="Times New Roman" panose="02020603050405020304" pitchFamily="18" charset="0"/>
                 <a:cs typeface="Times New Roman" panose="02020603050405020304" pitchFamily="18" charset="0"/>
               </a:rPr>
@@ -5736,7 +5870,7 @@
             </a:r>
           </a:p>
           <a:p>
-            <a:endParaRPr lang="hu-HU" sz="3400" dirty="0" smtClean="0">
+            <a:endParaRPr lang="hu-HU" sz="3400" dirty="0">
               <a:latin typeface="Times New Roman" panose="02020603050405020304" pitchFamily="18" charset="0"/>
               <a:cs typeface="Times New Roman" panose="02020603050405020304" pitchFamily="18" charset="0"/>
             </a:endParaRPr>
@@ -5815,8 +5949,8 @@
         </p:nvSpPr>
         <p:spPr>
           <a:xfrm>
-            <a:off x="0" y="0"/>
-            <a:ext cx="2027738" cy="799225"/>
+            <a:off x="0" y="-392523"/>
+            <a:ext cx="2442117" cy="1325562"/>
           </a:xfrm>
         </p:spPr>
         <p:txBody>
@@ -5824,7 +5958,7 @@
           <a:lstStyle/>
           <a:p>
             <a:r>
-              <a:rPr lang="hu-HU" b="1" dirty="0" err="1" smtClean="0">
+              <a:rPr lang="hu-HU" b="1" dirty="0" err="1">
                 <a:latin typeface="Times New Roman" panose="02020603050405020304" pitchFamily="18" charset="0"/>
                 <a:cs typeface="Times New Roman" panose="02020603050405020304" pitchFamily="18" charset="0"/>
               </a:rPr>
@@ -5849,8 +5983,8 @@
         </p:nvSpPr>
         <p:spPr>
           <a:xfrm>
-            <a:off x="-87426" y="914400"/>
-            <a:ext cx="8595360" cy="4351337"/>
+            <a:off x="79843" y="2386573"/>
+            <a:ext cx="3455094" cy="4351337"/>
           </a:xfrm>
         </p:spPr>
         <p:txBody>
@@ -5860,31 +5994,93 @@
           <a:lstStyle/>
           <a:p>
             <a:r>
-              <a:rPr lang="hu-HU" sz="3400" dirty="0" smtClean="0">
+              <a:rPr lang="hu-HU" sz="3400" dirty="0">
                 <a:latin typeface="Times New Roman" panose="02020603050405020304" pitchFamily="18" charset="0"/>
                 <a:cs typeface="Times New Roman" panose="02020603050405020304" pitchFamily="18" charset="0"/>
               </a:rPr>
-              <a:t>Fenséges README.md</a:t>
-            </a:r>
-          </a:p>
-          <a:p>
-            <a:r>
-              <a:rPr lang="hu-HU" sz="3400" dirty="0" smtClean="0">
+              <a:t>4</a:t>
+            </a:r>
+            <a:r>
+              <a:rPr lang="en-US" sz="3400" dirty="0">
                 <a:latin typeface="Times New Roman" panose="02020603050405020304" pitchFamily="18" charset="0"/>
                 <a:cs typeface="Times New Roman" panose="02020603050405020304" pitchFamily="18" charset="0"/>
               </a:rPr>
-              <a:t>Napokra osztott dokumentáció</a:t>
+              <a:t>7</a:t>
+            </a:r>
+            <a:r>
+              <a:rPr lang="hu-HU" sz="3400" dirty="0">
+                <a:latin typeface="Times New Roman" panose="02020603050405020304" pitchFamily="18" charset="0"/>
+                <a:cs typeface="Times New Roman" panose="02020603050405020304" pitchFamily="18" charset="0"/>
+              </a:rPr>
+              <a:t> </a:t>
+            </a:r>
+            <a:r>
+              <a:rPr lang="hu-HU" sz="3400" dirty="0" err="1">
+                <a:latin typeface="Times New Roman" panose="02020603050405020304" pitchFamily="18" charset="0"/>
+                <a:cs typeface="Times New Roman" panose="02020603050405020304" pitchFamily="18" charset="0"/>
+              </a:rPr>
+              <a:t>commit</a:t>
             </a:r>
             <a:endParaRPr lang="hu-HU" sz="3400" dirty="0">
               <a:latin typeface="Times New Roman" panose="02020603050405020304" pitchFamily="18" charset="0"/>
               <a:cs typeface="Times New Roman" panose="02020603050405020304" pitchFamily="18" charset="0"/>
             </a:endParaRPr>
           </a:p>
+          <a:p>
+            <a:r>
+              <a:rPr lang="hu-HU" sz="3400" dirty="0">
+                <a:latin typeface="Times New Roman" panose="02020603050405020304" pitchFamily="18" charset="0"/>
+                <a:cs typeface="Times New Roman" panose="02020603050405020304" pitchFamily="18" charset="0"/>
+              </a:rPr>
+              <a:t>Elosztott munka</a:t>
+            </a:r>
+          </a:p>
+          <a:p>
+            <a:r>
+              <a:rPr lang="hu-HU" sz="3400" dirty="0">
+                <a:latin typeface="Times New Roman" panose="02020603050405020304" pitchFamily="18" charset="0"/>
+                <a:cs typeface="Times New Roman" panose="02020603050405020304" pitchFamily="18" charset="0"/>
+              </a:rPr>
+              <a:t>Feladathoz tartozó </a:t>
+            </a:r>
+            <a:r>
+              <a:rPr lang="hu-HU" sz="3400" dirty="0" err="1">
+                <a:latin typeface="Times New Roman" panose="02020603050405020304" pitchFamily="18" charset="0"/>
+                <a:cs typeface="Times New Roman" panose="02020603050405020304" pitchFamily="18" charset="0"/>
+              </a:rPr>
+              <a:t>commit</a:t>
+            </a:r>
+            <a:r>
+              <a:rPr lang="hu-HU" sz="3400" dirty="0">
+                <a:latin typeface="Times New Roman" panose="02020603050405020304" pitchFamily="18" charset="0"/>
+                <a:cs typeface="Times New Roman" panose="02020603050405020304" pitchFamily="18" charset="0"/>
+              </a:rPr>
+              <a:t> név</a:t>
+            </a:r>
+          </a:p>
+          <a:p>
+            <a:endParaRPr lang="hu-HU" sz="3400" dirty="0">
+              <a:latin typeface="Times New Roman" panose="02020603050405020304" pitchFamily="18" charset="0"/>
+              <a:cs typeface="Times New Roman" panose="02020603050405020304" pitchFamily="18" charset="0"/>
+            </a:endParaRPr>
+          </a:p>
+          <a:p>
+            <a:endParaRPr lang="hu-HU" sz="3400" dirty="0">
+              <a:latin typeface="Times New Roman" panose="02020603050405020304" pitchFamily="18" charset="0"/>
+              <a:cs typeface="Times New Roman" panose="02020603050405020304" pitchFamily="18" charset="0"/>
+            </a:endParaRPr>
+          </a:p>
         </p:txBody>
       </p:sp>
       <p:pic>
         <p:nvPicPr>
-          <p:cNvPr id="5" name="Kép 4"/>
+          <p:cNvPr id="18" name="Kép 17">
+            <a:extLst>
+              <a:ext uri="{FF2B5EF4-FFF2-40B4-BE49-F238E27FC236}">
+                <a16:creationId xmlns:a16="http://schemas.microsoft.com/office/drawing/2014/main" id="{76D3941B-1DC4-570F-CE3D-A59AFC7431B4}"/>
+              </a:ext>
+            </a:extLst>
+          </p:cNvPr>
           <p:cNvPicPr>
             <a:picLocks noChangeAspect="1"/>
           </p:cNvPicPr>
@@ -5898,8 +6094,8 @@
         </p:blipFill>
         <p:spPr>
           <a:xfrm>
-            <a:off x="5623256" y="81032"/>
-            <a:ext cx="5588267" cy="4234489"/>
+            <a:off x="5359982" y="2119050"/>
+            <a:ext cx="1908637" cy="856211"/>
           </a:xfrm>
           <a:prstGeom prst="rect">
             <a:avLst/>
@@ -5908,22 +6104,115 @@
       </p:pic>
       <p:pic>
         <p:nvPicPr>
-          <p:cNvPr id="6" name="Kép 5"/>
+          <p:cNvPr id="20" name="Kép 19">
+            <a:extLst>
+              <a:ext uri="{FF2B5EF4-FFF2-40B4-BE49-F238E27FC236}">
+                <a16:creationId xmlns:a16="http://schemas.microsoft.com/office/drawing/2014/main" id="{11F23082-EDE1-29D8-53A5-C612A6EAAFFC}"/>
+              </a:ext>
+            </a:extLst>
+          </p:cNvPr>
+          <p:cNvPicPr>
+            <a:picLocks noChangeAspect="1"/>
+          </p:cNvPicPr>
+          <p:nvPr/>
+        </p:nvPicPr>
+        <p:blipFill rotWithShape="1">
+          <a:blip r:embed="rId3"/>
+          <a:srcRect r="39580"/>
+          <a:stretch/>
+        </p:blipFill>
+        <p:spPr>
+          <a:xfrm>
+            <a:off x="7268619" y="296645"/>
+            <a:ext cx="3562350" cy="1695450"/>
+          </a:xfrm>
+          <a:prstGeom prst="rect">
+            <a:avLst/>
+          </a:prstGeom>
+        </p:spPr>
+      </p:pic>
+      <p:pic>
+        <p:nvPicPr>
+          <p:cNvPr id="22" name="Kép 21">
+            <a:extLst>
+              <a:ext uri="{FF2B5EF4-FFF2-40B4-BE49-F238E27FC236}">
+                <a16:creationId xmlns:a16="http://schemas.microsoft.com/office/drawing/2014/main" id="{69B74BA4-CA14-5C3B-4889-B313D1AB71FD}"/>
+              </a:ext>
+            </a:extLst>
+          </p:cNvPr>
+          <p:cNvPicPr>
+            <a:picLocks noChangeAspect="1"/>
+          </p:cNvPicPr>
+          <p:nvPr/>
+        </p:nvPicPr>
+        <p:blipFill rotWithShape="1">
+          <a:blip r:embed="rId4"/>
+          <a:srcRect r="33518"/>
+          <a:stretch/>
+        </p:blipFill>
+        <p:spPr>
+          <a:xfrm>
+            <a:off x="7268619" y="1992095"/>
+            <a:ext cx="3562350" cy="3762375"/>
+          </a:xfrm>
+          <a:prstGeom prst="rect">
+            <a:avLst/>
+          </a:prstGeom>
+        </p:spPr>
+      </p:pic>
+      <p:pic>
+        <p:nvPicPr>
+          <p:cNvPr id="24" name="Kép 23">
+            <a:extLst>
+              <a:ext uri="{FF2B5EF4-FFF2-40B4-BE49-F238E27FC236}">
+                <a16:creationId xmlns:a16="http://schemas.microsoft.com/office/drawing/2014/main" id="{E79EE93B-C5D2-B875-0AA5-DCEA2524F809}"/>
+              </a:ext>
+            </a:extLst>
+          </p:cNvPr>
           <p:cNvPicPr>
             <a:picLocks noChangeAspect="1"/>
           </p:cNvPicPr>
           <p:nvPr/>
         </p:nvPicPr>
         <p:blipFill>
-          <a:blip r:embed="rId3"/>
+          <a:blip r:embed="rId5"/>
           <a:stretch>
             <a:fillRect/>
           </a:stretch>
         </p:blipFill>
         <p:spPr>
           <a:xfrm>
-            <a:off x="84556" y="2765502"/>
-            <a:ext cx="5366719" cy="4092498"/>
+            <a:off x="7268619" y="5754470"/>
+            <a:ext cx="3562350" cy="1000125"/>
+          </a:xfrm>
+          <a:prstGeom prst="rect">
+            <a:avLst/>
+          </a:prstGeom>
+        </p:spPr>
+      </p:pic>
+      <p:pic>
+        <p:nvPicPr>
+          <p:cNvPr id="26" name="Kép 25">
+            <a:extLst>
+              <a:ext uri="{FF2B5EF4-FFF2-40B4-BE49-F238E27FC236}">
+                <a16:creationId xmlns:a16="http://schemas.microsoft.com/office/drawing/2014/main" id="{B210B880-6289-366E-4A16-F2EA38EEBF99}"/>
+              </a:ext>
+            </a:extLst>
+          </p:cNvPr>
+          <p:cNvPicPr>
+            <a:picLocks noChangeAspect="1"/>
+          </p:cNvPicPr>
+          <p:nvPr/>
+        </p:nvPicPr>
+        <p:blipFill rotWithShape="1">
+          <a:blip r:embed="rId6"/>
+          <a:srcRect r="18731"/>
+          <a:stretch/>
+        </p:blipFill>
+        <p:spPr>
+          <a:xfrm>
+            <a:off x="3398182" y="2975261"/>
+            <a:ext cx="3870437" cy="1276350"/>
           </a:xfrm>
           <a:prstGeom prst="rect">
             <a:avLst/>
@@ -5933,7 +6222,7 @@
     </p:spTree>
     <p:extLst>
       <p:ext uri="{BB962C8B-B14F-4D97-AF65-F5344CB8AC3E}">
-        <p14:creationId xmlns:p14="http://schemas.microsoft.com/office/powerpoint/2010/main" val="3044061765"/>
+        <p14:creationId xmlns:p14="http://schemas.microsoft.com/office/powerpoint/2010/main" val="3315651095"/>
       </p:ext>
     </p:extLst>
   </p:cSld>
